--- a/picture/ppt/datastruct/datastruct.pptx
+++ b/picture/ppt/datastruct/datastruct.pptx
@@ -5,7 +5,7 @@
     <p:sldMasterId id="2147483648" r:id="rId1"/>
   </p:sldMasterIdLst>
   <p:notesMasterIdLst>
-    <p:notesMasterId r:id="rId11"/>
+    <p:notesMasterId r:id="rId8"/>
   </p:notesMasterIdLst>
   <p:handoutMasterIdLst>
     <p:handoutMasterId r:id="rId12"/>
@@ -16,9 +16,9 @@
     <p:sldId id="258" r:id="rId5"/>
     <p:sldId id="259" r:id="rId6"/>
     <p:sldId id="260" r:id="rId7"/>
-    <p:sldId id="261" r:id="rId8"/>
-    <p:sldId id="262" r:id="rId9"/>
-    <p:sldId id="263" r:id="rId10"/>
+    <p:sldId id="261" r:id="rId9"/>
+    <p:sldId id="262" r:id="rId10"/>
+    <p:sldId id="263" r:id="rId11"/>
   </p:sldIdLst>
   <p:sldSz cx="12192000" cy="6858000"/>
   <p:notesSz cx="7103745" cy="10234295"/>
@@ -623,6 +623,50 @@
     </a:lvl9pPr>
   </p:notesStyle>
 </p:notesMaster>
+</file>
+
+<file path=ppt/notesSlides/notesSlide1.xml><?xml version="1.0" encoding="utf-8"?>
+<p:notes xmlns:a="http://schemas.openxmlformats.org/drawingml/2006/main" xmlns:r="http://schemas.openxmlformats.org/officeDocument/2006/relationships" xmlns:p="http://schemas.openxmlformats.org/presentationml/2006/main">
+  <p:cSld>
+    <p:spTree>
+      <p:nvGrpSpPr>
+        <p:cNvPr id="1" name=""/>
+        <p:cNvGrpSpPr/>
+        <p:nvPr/>
+      </p:nvGrpSpPr>
+      <p:grpSpPr/>
+      <p:sp>
+        <p:nvSpPr>
+          <p:cNvPr id="2" name="Slide Image Placeholder 1"/>
+          <p:cNvSpPr/>
+          <p:nvPr>
+            <p:ph type="sldImg" idx="2"/>
+          </p:nvPr>
+        </p:nvSpPr>
+        <p:spPr/>
+      </p:sp>
+      <p:sp>
+        <p:nvSpPr>
+          <p:cNvPr id="3" name="Text Placeholder 2"/>
+          <p:cNvSpPr/>
+          <p:nvPr>
+            <p:ph type="body" idx="3"/>
+          </p:nvPr>
+        </p:nvSpPr>
+        <p:spPr/>
+        <p:txBody>
+          <a:bodyPr/>
+          <a:p>
+            <a:endParaRPr lang="en-US"/>
+          </a:p>
+        </p:txBody>
+      </p:sp>
+    </p:spTree>
+  </p:cSld>
+  <p:clrMapOvr>
+    <a:masterClrMapping/>
+  </p:clrMapOvr>
+</p:notes>
 </file>
 
 <file path=ppt/slideLayouts/slideLayout1.xml><?xml version="1.0" encoding="utf-8"?>
@@ -3600,7 +3644,7 @@
         <p:spPr>
           <a:xfrm>
             <a:off x="589915" y="429895"/>
-            <a:ext cx="1203960" cy="398780"/>
+            <a:ext cx="1607820" cy="521970"/>
           </a:xfrm>
           <a:prstGeom prst="rect">
             <a:avLst/>
@@ -3613,14 +3657,14 @@
           </a:bodyPr>
           <a:p>
             <a:r>
-              <a:rPr lang="zh-CN" altLang="en-US" sz="2000" b="1">
+              <a:rPr lang="zh-CN" altLang="en-US" sz="2800" b="1">
                 <a:solidFill>
                   <a:srgbClr val="2C3E50"/>
                 </a:solidFill>
               </a:rPr>
               <a:t>快慢指针</a:t>
             </a:r>
-            <a:endParaRPr lang="zh-CN" altLang="en-US" sz="2000" b="1">
+            <a:endParaRPr lang="zh-CN" altLang="en-US" sz="2800" b="1">
               <a:solidFill>
                 <a:srgbClr val="2C3E50"/>
               </a:solidFill>
@@ -4014,7 +4058,7 @@
           </a:p>
           <a:p>
             <a:r>
-              <a:rPr lang="" altLang="en-US" sz="1600" b="1">
+              <a:rPr lang="en-US" altLang="en-US" sz="1600" b="1">
                 <a:solidFill>
                   <a:srgbClr val="2C3E50"/>
                 </a:solidFill>
@@ -4022,7 +4066,7 @@
               <a:t>      </a:t>
             </a:r>
             <a:r>
-              <a:rPr lang="zh-CN" altLang="" sz="1600" b="1">
+              <a:rPr lang="zh-CN" altLang="en-US" sz="1600" b="1">
                 <a:solidFill>
                   <a:srgbClr val="2C3E50"/>
                 </a:solidFill>
@@ -4567,37 +4611,21 @@
           </a:p>
           <a:p>
             <a:r>
-              <a:rPr lang="" altLang="en-US" sz="1000" b="1">
-                <a:solidFill>
-                  <a:srgbClr val="2C3E50"/>
-                </a:solidFill>
-              </a:rPr>
-              <a:t>2(m+n)</a:t>
-            </a:r>
-            <a:r>
-              <a:rPr lang="en-US" altLang="" sz="1000" b="1">
-                <a:solidFill>
-                  <a:srgbClr val="2C3E50"/>
-                </a:solidFill>
-              </a:rPr>
-              <a:t> = </a:t>
-            </a:r>
-            <a:r>
-              <a:rPr lang="" altLang="en-US" sz="1000" b="1">
-                <a:solidFill>
-                  <a:srgbClr val="2C3E50"/>
-                </a:solidFill>
-              </a:rPr>
-              <a:t>m+n+xR</a:t>
-            </a:r>
-            <a:endParaRPr lang="" altLang="en-US" sz="1000" b="1">
+              <a:rPr lang="en-US" altLang="en-US" sz="1000" b="1">
+                <a:solidFill>
+                  <a:srgbClr val="2C3E50"/>
+                </a:solidFill>
+              </a:rPr>
+              <a:t>2(m+n) = m+n+xR</a:t>
+            </a:r>
+            <a:endParaRPr lang="en-US" altLang="en-US" sz="1000" b="1">
               <a:solidFill>
                 <a:srgbClr val="2C3E50"/>
               </a:solidFill>
             </a:endParaRPr>
           </a:p>
           <a:p>
-            <a:endParaRPr lang="" altLang="en-US" sz="1000" b="1">
+            <a:endParaRPr lang="en-US" altLang="en-US" sz="1000" b="1">
               <a:solidFill>
                 <a:srgbClr val="2C3E50"/>
               </a:solidFill>
@@ -4605,21 +4633,21 @@
           </a:p>
           <a:p>
             <a:r>
-              <a:rPr lang="zh-CN" altLang="" sz="1000" b="1">
+              <a:rPr lang="zh-CN" altLang="en-US" sz="1000" b="1">
                 <a:solidFill>
                   <a:srgbClr val="2C3E50"/>
                 </a:solidFill>
               </a:rPr>
               <a:t>化简之后如下：</a:t>
             </a:r>
-            <a:endParaRPr lang="zh-CN" altLang="" sz="1000" b="1">
+            <a:endParaRPr lang="zh-CN" altLang="en-US" sz="1000" b="1">
               <a:solidFill>
                 <a:srgbClr val="2C3E50"/>
               </a:solidFill>
             </a:endParaRPr>
           </a:p>
           <a:p>
-            <a:endParaRPr lang="zh-CN" altLang="" sz="1000" b="1">
+            <a:endParaRPr lang="zh-CN" altLang="en-US" sz="1000" b="1">
               <a:solidFill>
                 <a:srgbClr val="2C3E50"/>
               </a:solidFill>
@@ -4627,21 +4655,21 @@
           </a:p>
           <a:p>
             <a:r>
-              <a:rPr lang="" altLang="zh-CN" sz="1000" b="1">
+              <a:rPr lang="en-US" altLang="zh-CN" sz="1000" b="1">
                 <a:solidFill>
                   <a:srgbClr val="2C3E50"/>
                 </a:solidFill>
               </a:rPr>
               <a:t>m=xR-n </a:t>
             </a:r>
-            <a:endParaRPr lang="" altLang="zh-CN" sz="1000" b="1">
+            <a:endParaRPr lang="en-US" altLang="zh-CN" sz="1000" b="1">
               <a:solidFill>
                 <a:srgbClr val="2C3E50"/>
               </a:solidFill>
             </a:endParaRPr>
           </a:p>
           <a:p>
-            <a:endParaRPr lang="" altLang="zh-CN" sz="1000" b="1">
+            <a:endParaRPr lang="en-US" altLang="zh-CN" sz="1000" b="1">
               <a:solidFill>
                 <a:srgbClr val="2C3E50"/>
               </a:solidFill>
@@ -4649,7 +4677,7 @@
           </a:p>
           <a:p>
             <a:r>
-              <a:rPr lang="zh-CN" altLang="" sz="1000" b="1">
+              <a:rPr lang="zh-CN" altLang="en-US" sz="1000" b="1">
                 <a:solidFill>
                   <a:srgbClr val="2C3E50"/>
                 </a:solidFill>
@@ -4657,7 +4685,7 @@
               <a:t>由上面的等式当</a:t>
             </a:r>
             <a:r>
-              <a:rPr lang="" altLang="zh-CN" sz="1000" b="1">
+              <a:rPr lang="en-US" altLang="zh-CN" sz="1000" b="1">
                 <a:solidFill>
                   <a:srgbClr val="2C3E50"/>
                 </a:solidFill>
@@ -4665,7 +4693,7 @@
               <a:t>x=1</a:t>
             </a:r>
             <a:r>
-              <a:rPr lang="zh-CN" altLang="" sz="1000" b="1">
+              <a:rPr lang="zh-CN" altLang="en-US" sz="1000" b="1">
                 <a:solidFill>
                   <a:srgbClr val="2C3E50"/>
                 </a:solidFill>
@@ -4785,6 +4813,306 @@
         <p:nvPr/>
       </p:nvGrpSpPr>
       <p:grpSpPr/>
+      <p:sp>
+        <p:nvSpPr>
+          <p:cNvPr id="2" name="Text Box 1"/>
+          <p:cNvSpPr txBox="true"/>
+          <p:nvPr/>
+        </p:nvSpPr>
+        <p:spPr>
+          <a:xfrm>
+            <a:off x="589915" y="429895"/>
+            <a:ext cx="1607820" cy="521970"/>
+          </a:xfrm>
+          <a:prstGeom prst="rect">
+            <a:avLst/>
+          </a:prstGeom>
+          <a:noFill/>
+        </p:spPr>
+        <p:txBody>
+          <a:bodyPr wrap="none" rtlCol="0">
+            <a:spAutoFit/>
+          </a:bodyPr>
+          <a:p>
+            <a:r>
+              <a:rPr lang="zh-CN" altLang="" sz="2800" b="1">
+                <a:solidFill>
+                  <a:srgbClr val="2C3E50"/>
+                </a:solidFill>
+              </a:rPr>
+              <a:t>动态规划</a:t>
+            </a:r>
+            <a:endParaRPr lang="zh-CN" altLang="" sz="2800" b="1">
+              <a:solidFill>
+                <a:srgbClr val="2C3E50"/>
+              </a:solidFill>
+            </a:endParaRPr>
+          </a:p>
+        </p:txBody>
+      </p:sp>
+      <p:sp>
+        <p:nvSpPr>
+          <p:cNvPr id="3" name="Text Box 2"/>
+          <p:cNvSpPr txBox="true"/>
+          <p:nvPr/>
+        </p:nvSpPr>
+        <p:spPr>
+          <a:xfrm>
+            <a:off x="708025" y="1409065"/>
+            <a:ext cx="6163310" cy="368300"/>
+          </a:xfrm>
+          <a:prstGeom prst="rect">
+            <a:avLst/>
+          </a:prstGeom>
+          <a:noFill/>
+        </p:spPr>
+        <p:txBody>
+          <a:bodyPr wrap="none" rtlCol="0">
+            <a:spAutoFit/>
+          </a:bodyPr>
+          <a:p>
+            <a:r>
+              <a:rPr lang="zh-CN" altLang="en-US" b="1">
+                <a:solidFill>
+                  <a:srgbClr val="2C3E50"/>
+                </a:solidFill>
+              </a:rPr>
+              <a:t>解决的问题：如果给定一个问题规模为</a:t>
+            </a:r>
+            <a:r>
+              <a:rPr lang="" altLang="zh-CN" b="1">
+                <a:solidFill>
+                  <a:srgbClr val="2C3E50"/>
+                </a:solidFill>
+              </a:rPr>
+              <a:t>n,</a:t>
+            </a:r>
+            <a:r>
+              <a:rPr lang="zh-CN" altLang="" b="1">
+                <a:solidFill>
+                  <a:srgbClr val="2C3E50"/>
+                </a:solidFill>
+              </a:rPr>
+              <a:t>且具备如下性质：</a:t>
+            </a:r>
+            <a:endParaRPr lang="zh-CN" altLang="" b="1">
+              <a:solidFill>
+                <a:srgbClr val="2C3E50"/>
+              </a:solidFill>
+            </a:endParaRPr>
+          </a:p>
+        </p:txBody>
+      </p:sp>
+      <p:sp>
+        <p:nvSpPr>
+          <p:cNvPr id="5" name="Text Box 4"/>
+          <p:cNvSpPr txBox="true"/>
+          <p:nvPr/>
+        </p:nvSpPr>
+        <p:spPr>
+          <a:xfrm>
+            <a:off x="2128520" y="2006600"/>
+            <a:ext cx="6868160" cy="1123950"/>
+          </a:xfrm>
+          <a:prstGeom prst="rect">
+            <a:avLst/>
+          </a:prstGeom>
+          <a:noFill/>
+        </p:spPr>
+        <p:txBody>
+          <a:bodyPr wrap="none" rtlCol="0">
+            <a:spAutoFit/>
+          </a:bodyPr>
+          <a:p>
+            <a:pPr marL="342900" indent="-342900">
+              <a:lnSpc>
+                <a:spcPct val="140000"/>
+              </a:lnSpc>
+              <a:buAutoNum type="arabicPeriod"/>
+            </a:pPr>
+            <a:r>
+              <a:rPr lang="zh-CN" altLang="en-US" sz="1600" b="1">
+                <a:solidFill>
+                  <a:srgbClr val="2C3E50"/>
+                </a:solidFill>
+              </a:rPr>
+              <a:t>问题规模可以分解，也就是具备</a:t>
+            </a:r>
+            <a:r>
+              <a:rPr lang="" altLang="zh-CN" sz="1600" b="1">
+                <a:solidFill>
+                  <a:srgbClr val="2C3E50"/>
+                </a:solidFill>
+              </a:rPr>
+              <a:t>f(n)=f(m)+a[n-m]</a:t>
+            </a:r>
+            <a:r>
+              <a:rPr lang="zh-CN" altLang="" sz="1600" b="1">
+                <a:solidFill>
+                  <a:srgbClr val="2C3E50"/>
+                </a:solidFill>
+              </a:rPr>
+              <a:t>或者</a:t>
+            </a:r>
+            <a:r>
+              <a:rPr lang="" altLang="zh-CN" sz="1600" b="1">
+                <a:solidFill>
+                  <a:srgbClr val="2C3E50"/>
+                </a:solidFill>
+              </a:rPr>
+              <a:t>f(n)=f(m)</a:t>
+            </a:r>
+            <a:endParaRPr lang="zh-CN" altLang="en-US" sz="1600" b="1">
+              <a:solidFill>
+                <a:srgbClr val="2C3E50"/>
+              </a:solidFill>
+            </a:endParaRPr>
+          </a:p>
+          <a:p>
+            <a:pPr marL="342900" indent="-342900">
+              <a:lnSpc>
+                <a:spcPct val="140000"/>
+              </a:lnSpc>
+              <a:buAutoNum type="arabicPeriod"/>
+            </a:pPr>
+            <a:r>
+              <a:rPr lang="zh-CN" altLang="" sz="1600" b="1">
+                <a:solidFill>
+                  <a:srgbClr val="2C3E50"/>
+                </a:solidFill>
+              </a:rPr>
+              <a:t>每一个规模为</a:t>
+            </a:r>
+            <a:r>
+              <a:rPr lang="" altLang="zh-CN" sz="1600" b="1">
+                <a:solidFill>
+                  <a:srgbClr val="2C3E50"/>
+                </a:solidFill>
+              </a:rPr>
+              <a:t>m(m&lt;n)</a:t>
+            </a:r>
+            <a:r>
+              <a:rPr lang="zh-CN" altLang="" sz="1600" b="1">
+                <a:solidFill>
+                  <a:srgbClr val="2C3E50"/>
+                </a:solidFill>
+              </a:rPr>
+              <a:t>问题都存在最优解</a:t>
+            </a:r>
+            <a:endParaRPr lang="zh-CN" altLang="" sz="1600" b="1">
+              <a:solidFill>
+                <a:srgbClr val="2C3E50"/>
+              </a:solidFill>
+            </a:endParaRPr>
+          </a:p>
+          <a:p>
+            <a:pPr marL="342900" indent="-342900">
+              <a:lnSpc>
+                <a:spcPct val="140000"/>
+              </a:lnSpc>
+              <a:buAutoNum type="arabicPeriod"/>
+            </a:pPr>
+            <a:r>
+              <a:rPr lang="zh-CN" altLang="" sz="1600" b="1">
+                <a:solidFill>
+                  <a:srgbClr val="2C3E50"/>
+                </a:solidFill>
+              </a:rPr>
+              <a:t>问题规模为</a:t>
+            </a:r>
+            <a:r>
+              <a:rPr lang="" altLang="zh-CN" sz="1600" b="1">
+                <a:solidFill>
+                  <a:srgbClr val="2C3E50"/>
+                </a:solidFill>
+              </a:rPr>
+              <a:t>n-m</a:t>
+            </a:r>
+            <a:r>
+              <a:rPr lang="zh-CN" altLang="" sz="1600" b="1">
+                <a:solidFill>
+                  <a:srgbClr val="2C3E50"/>
+                </a:solidFill>
+              </a:rPr>
+              <a:t>时的最优解不会因为规模增加到</a:t>
+            </a:r>
+            <a:r>
+              <a:rPr lang="" altLang="zh-CN" sz="1600" b="1">
+                <a:solidFill>
+                  <a:srgbClr val="2C3E50"/>
+                </a:solidFill>
+              </a:rPr>
+              <a:t>n</a:t>
+            </a:r>
+            <a:r>
+              <a:rPr lang="zh-CN" altLang="" sz="1600" b="1">
+                <a:solidFill>
+                  <a:srgbClr val="2C3E50"/>
+                </a:solidFill>
+              </a:rPr>
+              <a:t>时而发生变化</a:t>
+            </a:r>
+            <a:endParaRPr lang="zh-CN" altLang="" sz="1600" b="1">
+              <a:solidFill>
+                <a:srgbClr val="2C3E50"/>
+              </a:solidFill>
+            </a:endParaRPr>
+          </a:p>
+        </p:txBody>
+      </p:sp>
+      <p:sp>
+        <p:nvSpPr>
+          <p:cNvPr id="6" name="Text Box 5"/>
+          <p:cNvSpPr txBox="true"/>
+          <p:nvPr/>
+        </p:nvSpPr>
+        <p:spPr>
+          <a:xfrm>
+            <a:off x="2197735" y="3355340"/>
+            <a:ext cx="7222490" cy="368300"/>
+          </a:xfrm>
+          <a:prstGeom prst="rect">
+            <a:avLst/>
+          </a:prstGeom>
+          <a:noFill/>
+        </p:spPr>
+        <p:txBody>
+          <a:bodyPr wrap="none" rtlCol="0">
+            <a:spAutoFit/>
+          </a:bodyPr>
+          <a:p>
+            <a:r>
+              <a:rPr lang="zh-CN" altLang="" b="1">
+                <a:solidFill>
+                  <a:srgbClr val="2C3E50"/>
+                </a:solidFill>
+              </a:rPr>
+              <a:t>如果需要求问题规模为</a:t>
+            </a:r>
+            <a:r>
+              <a:rPr lang="" altLang="zh-CN" b="1">
+                <a:solidFill>
+                  <a:srgbClr val="2C3E50"/>
+                </a:solidFill>
+              </a:rPr>
+              <a:t>n</a:t>
+            </a:r>
+            <a:r>
+              <a:rPr lang="zh-CN" altLang="" b="1">
+                <a:solidFill>
+                  <a:srgbClr val="2C3E50"/>
+                </a:solidFill>
+              </a:rPr>
+              <a:t>的最优解，那么就可以使用动态规划来解决。</a:t>
+            </a:r>
+            <a:endParaRPr lang="zh-CN" altLang="" b="1">
+              <a:solidFill>
+                <a:srgbClr val="2C3E50"/>
+              </a:solidFill>
+            </a:endParaRPr>
+          </a:p>
+        </p:txBody>
+      </p:sp>
     </p:spTree>
   </p:cSld>
   <p:clrMapOvr>
@@ -4803,6 +5131,2081 @@
         <p:nvPr/>
       </p:nvGrpSpPr>
       <p:grpSpPr/>
+      <p:sp>
+        <p:nvSpPr>
+          <p:cNvPr id="2" name="Text Box 1"/>
+          <p:cNvSpPr txBox="true"/>
+          <p:nvPr/>
+        </p:nvSpPr>
+        <p:spPr>
+          <a:xfrm>
+            <a:off x="589915" y="429895"/>
+            <a:ext cx="1607820" cy="521970"/>
+          </a:xfrm>
+          <a:prstGeom prst="rect">
+            <a:avLst/>
+          </a:prstGeom>
+          <a:noFill/>
+        </p:spPr>
+        <p:txBody>
+          <a:bodyPr wrap="none" rtlCol="0">
+            <a:spAutoFit/>
+          </a:bodyPr>
+          <a:p>
+            <a:r>
+              <a:rPr lang="zh-CN" altLang="en-US" sz="2800" b="1">
+                <a:solidFill>
+                  <a:srgbClr val="2C3E50"/>
+                </a:solidFill>
+              </a:rPr>
+              <a:t>动态规划</a:t>
+            </a:r>
+            <a:endParaRPr lang="zh-CN" altLang="en-US" sz="2800" b="1">
+              <a:solidFill>
+                <a:srgbClr val="2C3E50"/>
+              </a:solidFill>
+            </a:endParaRPr>
+          </a:p>
+        </p:txBody>
+      </p:sp>
+      <p:sp>
+        <p:nvSpPr>
+          <p:cNvPr id="3" name="Text Box 2"/>
+          <p:cNvSpPr txBox="true"/>
+          <p:nvPr/>
+        </p:nvSpPr>
+        <p:spPr>
+          <a:xfrm>
+            <a:off x="708025" y="1357630"/>
+            <a:ext cx="2016760" cy="368300"/>
+          </a:xfrm>
+          <a:prstGeom prst="rect">
+            <a:avLst/>
+          </a:prstGeom>
+          <a:noFill/>
+        </p:spPr>
+        <p:txBody>
+          <a:bodyPr wrap="none" rtlCol="0">
+            <a:spAutoFit/>
+          </a:bodyPr>
+          <a:p>
+            <a:r>
+              <a:rPr lang="zh-CN" altLang="en-US" b="1">
+                <a:solidFill>
+                  <a:srgbClr val="2C3E50"/>
+                </a:solidFill>
+              </a:rPr>
+              <a:t>解决问题的步骤：</a:t>
+            </a:r>
+            <a:endParaRPr lang="zh-CN" altLang="en-US" b="1">
+              <a:solidFill>
+                <a:srgbClr val="2C3E50"/>
+              </a:solidFill>
+            </a:endParaRPr>
+          </a:p>
+        </p:txBody>
+      </p:sp>
+      <p:sp>
+        <p:nvSpPr>
+          <p:cNvPr id="4" name="Text Box 3"/>
+          <p:cNvSpPr txBox="true"/>
+          <p:nvPr/>
+        </p:nvSpPr>
+        <p:spPr>
+          <a:xfrm>
+            <a:off x="2852420" y="1357630"/>
+            <a:ext cx="1424940" cy="368300"/>
+          </a:xfrm>
+          <a:prstGeom prst="rect">
+            <a:avLst/>
+          </a:prstGeom>
+          <a:noFill/>
+        </p:spPr>
+        <p:txBody>
+          <a:bodyPr wrap="none" rtlCol="0">
+            <a:spAutoFit/>
+          </a:bodyPr>
+          <a:p>
+            <a:r>
+              <a:rPr lang="en-US" b="1">
+                <a:solidFill>
+                  <a:srgbClr val="2C3E50"/>
+                </a:solidFill>
+              </a:rPr>
+              <a:t>1. </a:t>
+            </a:r>
+            <a:r>
+              <a:rPr lang="zh-CN" altLang="en-US" b="1">
+                <a:solidFill>
+                  <a:srgbClr val="2C3E50"/>
+                </a:solidFill>
+              </a:rPr>
+              <a:t>划分问题</a:t>
+            </a:r>
+            <a:endParaRPr lang="zh-CN" altLang="en-US" b="1">
+              <a:solidFill>
+                <a:srgbClr val="2C3E50"/>
+              </a:solidFill>
+            </a:endParaRPr>
+          </a:p>
+        </p:txBody>
+      </p:sp>
+      <p:graphicFrame>
+        <p:nvGraphicFramePr>
+          <p:cNvPr id="6" name="Table 5"/>
+          <p:cNvGraphicFramePr/>
+          <p:nvPr/>
+        </p:nvGraphicFramePr>
+        <p:xfrm>
+          <a:off x="6021705" y="1955165"/>
+          <a:ext cx="5572760" cy="774065"/>
+        </p:xfrm>
+        <a:graphic>
+          <a:graphicData uri="http://schemas.openxmlformats.org/drawingml/2006/table">
+            <a:tbl>
+              <a:tblPr firstRow="true" bandRow="true">
+                <a:tableStyleId>{5940675A-B579-460E-94D1-54222C63F5DA}</a:tableStyleId>
+              </a:tblPr>
+              <a:tblGrid>
+                <a:gridCol w="696595"/>
+                <a:gridCol w="696595"/>
+                <a:gridCol w="696595"/>
+                <a:gridCol w="696595"/>
+                <a:gridCol w="696595"/>
+                <a:gridCol w="696595"/>
+                <a:gridCol w="696595"/>
+                <a:gridCol w="696595"/>
+              </a:tblGrid>
+              <a:tr h="397510">
+                <a:tc>
+                  <a:txBody>
+                    <a:bodyPr/>
+                    <a:p>
+                      <a:pPr algn="ctr">
+                        <a:buNone/>
+                      </a:pPr>
+                      <a:r>
+                        <a:rPr lang="en-US" b="1">
+                          <a:solidFill>
+                            <a:srgbClr val="3EAF7C"/>
+                          </a:solidFill>
+                        </a:rPr>
+                        <a:t>0</a:t>
+                      </a:r>
+                      <a:endParaRPr lang="en-US" b="1">
+                        <a:solidFill>
+                          <a:srgbClr val="3EAF7C"/>
+                        </a:solidFill>
+                      </a:endParaRPr>
+                    </a:p>
+                  </a:txBody>
+                  <a:tcPr>
+                    <a:lnL w="38100">
+                      <a:solidFill>
+                        <a:schemeClr val="tx1"/>
+                      </a:solidFill>
+                      <a:prstDash val="solid"/>
+                    </a:lnL>
+                    <a:lnR w="38100">
+                      <a:solidFill>
+                        <a:schemeClr val="tx1"/>
+                      </a:solidFill>
+                      <a:prstDash val="solid"/>
+                    </a:lnR>
+                    <a:lnT w="38100">
+                      <a:solidFill>
+                        <a:schemeClr val="tx1"/>
+                      </a:solidFill>
+                      <a:prstDash val="solid"/>
+                    </a:lnT>
+                    <a:lnB w="38100">
+                      <a:solidFill>
+                        <a:schemeClr val="tx1"/>
+                      </a:solidFill>
+                      <a:prstDash val="solid"/>
+                    </a:lnB>
+                    <a:lnTlToBr>
+                      <a:noFill/>
+                    </a:lnTlToBr>
+                    <a:lnBlToTr>
+                      <a:noFill/>
+                    </a:lnBlToTr>
+                  </a:tcPr>
+                </a:tc>
+                <a:tc>
+                  <a:txBody>
+                    <a:bodyPr/>
+                    <a:p>
+                      <a:pPr algn="ctr">
+                        <a:buNone/>
+                      </a:pPr>
+                      <a:r>
+                        <a:rPr lang="en-US" b="1">
+                          <a:solidFill>
+                            <a:srgbClr val="3EAF7C"/>
+                          </a:solidFill>
+                        </a:rPr>
+                        <a:t>1</a:t>
+                      </a:r>
+                      <a:endParaRPr lang="en-US" b="1">
+                        <a:solidFill>
+                          <a:srgbClr val="3EAF7C"/>
+                        </a:solidFill>
+                      </a:endParaRPr>
+                    </a:p>
+                  </a:txBody>
+                  <a:tcPr>
+                    <a:lnL w="38100">
+                      <a:solidFill>
+                        <a:schemeClr val="tx1"/>
+                      </a:solidFill>
+                      <a:prstDash val="solid"/>
+                    </a:lnL>
+                    <a:lnR w="38100">
+                      <a:solidFill>
+                        <a:schemeClr val="tx1"/>
+                      </a:solidFill>
+                      <a:prstDash val="solid"/>
+                    </a:lnR>
+                    <a:lnT w="38100">
+                      <a:solidFill>
+                        <a:schemeClr val="tx1"/>
+                      </a:solidFill>
+                      <a:prstDash val="solid"/>
+                    </a:lnT>
+                    <a:lnB w="38100">
+                      <a:solidFill>
+                        <a:schemeClr val="tx1"/>
+                      </a:solidFill>
+                      <a:prstDash val="solid"/>
+                    </a:lnB>
+                    <a:lnTlToBr>
+                      <a:noFill/>
+                    </a:lnTlToBr>
+                    <a:lnBlToTr>
+                      <a:noFill/>
+                    </a:lnBlToTr>
+                  </a:tcPr>
+                </a:tc>
+                <a:tc>
+                  <a:txBody>
+                    <a:bodyPr/>
+                    <a:p>
+                      <a:pPr algn="ctr">
+                        <a:buNone/>
+                      </a:pPr>
+                      <a:r>
+                        <a:rPr lang="en-US" b="1">
+                          <a:solidFill>
+                            <a:srgbClr val="3EAF7C"/>
+                          </a:solidFill>
+                        </a:rPr>
+                        <a:t>2</a:t>
+                      </a:r>
+                      <a:endParaRPr lang="en-US" b="1">
+                        <a:solidFill>
+                          <a:srgbClr val="3EAF7C"/>
+                        </a:solidFill>
+                      </a:endParaRPr>
+                    </a:p>
+                  </a:txBody>
+                  <a:tcPr>
+                    <a:lnL w="38100">
+                      <a:solidFill>
+                        <a:schemeClr val="tx1"/>
+                      </a:solidFill>
+                      <a:prstDash val="solid"/>
+                    </a:lnL>
+                    <a:lnR w="38100">
+                      <a:solidFill>
+                        <a:schemeClr val="tx1"/>
+                      </a:solidFill>
+                      <a:prstDash val="solid"/>
+                    </a:lnR>
+                    <a:lnT w="38100">
+                      <a:solidFill>
+                        <a:schemeClr val="tx1"/>
+                      </a:solidFill>
+                      <a:prstDash val="solid"/>
+                    </a:lnT>
+                    <a:lnB w="38100">
+                      <a:solidFill>
+                        <a:schemeClr val="tx1"/>
+                      </a:solidFill>
+                      <a:prstDash val="solid"/>
+                    </a:lnB>
+                    <a:lnTlToBr>
+                      <a:noFill/>
+                    </a:lnTlToBr>
+                    <a:lnBlToTr>
+                      <a:noFill/>
+                    </a:lnBlToTr>
+                  </a:tcPr>
+                </a:tc>
+                <a:tc>
+                  <a:txBody>
+                    <a:bodyPr/>
+                    <a:p>
+                      <a:pPr algn="ctr">
+                        <a:buNone/>
+                      </a:pPr>
+                      <a:r>
+                        <a:rPr lang="en-US" b="1">
+                          <a:solidFill>
+                            <a:srgbClr val="3EAF7C"/>
+                          </a:solidFill>
+                        </a:rPr>
+                        <a:t>3</a:t>
+                      </a:r>
+                      <a:endParaRPr lang="en-US" b="1">
+                        <a:solidFill>
+                          <a:srgbClr val="3EAF7C"/>
+                        </a:solidFill>
+                      </a:endParaRPr>
+                    </a:p>
+                  </a:txBody>
+                  <a:tcPr>
+                    <a:lnL w="38100">
+                      <a:solidFill>
+                        <a:schemeClr val="tx1"/>
+                      </a:solidFill>
+                      <a:prstDash val="solid"/>
+                    </a:lnL>
+                    <a:lnR w="38100">
+                      <a:solidFill>
+                        <a:schemeClr val="tx1"/>
+                      </a:solidFill>
+                      <a:prstDash val="solid"/>
+                    </a:lnR>
+                    <a:lnT w="38100">
+                      <a:solidFill>
+                        <a:schemeClr val="tx1"/>
+                      </a:solidFill>
+                      <a:prstDash val="solid"/>
+                    </a:lnT>
+                    <a:lnB w="38100">
+                      <a:solidFill>
+                        <a:schemeClr val="tx1"/>
+                      </a:solidFill>
+                      <a:prstDash val="solid"/>
+                    </a:lnB>
+                    <a:lnTlToBr>
+                      <a:noFill/>
+                    </a:lnTlToBr>
+                    <a:lnBlToTr>
+                      <a:noFill/>
+                    </a:lnBlToTr>
+                  </a:tcPr>
+                </a:tc>
+                <a:tc>
+                  <a:txBody>
+                    <a:bodyPr/>
+                    <a:p>
+                      <a:pPr algn="ctr">
+                        <a:buNone/>
+                      </a:pPr>
+                      <a:r>
+                        <a:rPr lang="en-US" b="1">
+                          <a:solidFill>
+                            <a:srgbClr val="3EAF7C"/>
+                          </a:solidFill>
+                        </a:rPr>
+                        <a:t>4</a:t>
+                      </a:r>
+                      <a:endParaRPr lang="en-US" b="1">
+                        <a:solidFill>
+                          <a:srgbClr val="3EAF7C"/>
+                        </a:solidFill>
+                      </a:endParaRPr>
+                    </a:p>
+                  </a:txBody>
+                  <a:tcPr>
+                    <a:lnL w="38100">
+                      <a:solidFill>
+                        <a:schemeClr val="tx1"/>
+                      </a:solidFill>
+                      <a:prstDash val="solid"/>
+                    </a:lnL>
+                    <a:lnR w="38100">
+                      <a:solidFill>
+                        <a:schemeClr val="tx1"/>
+                      </a:solidFill>
+                      <a:prstDash val="solid"/>
+                    </a:lnR>
+                    <a:lnT w="38100">
+                      <a:solidFill>
+                        <a:schemeClr val="tx1"/>
+                      </a:solidFill>
+                      <a:prstDash val="solid"/>
+                    </a:lnT>
+                    <a:lnB w="38100">
+                      <a:solidFill>
+                        <a:schemeClr val="tx1"/>
+                      </a:solidFill>
+                      <a:prstDash val="solid"/>
+                    </a:lnB>
+                    <a:lnTlToBr>
+                      <a:noFill/>
+                    </a:lnTlToBr>
+                    <a:lnBlToTr>
+                      <a:noFill/>
+                    </a:lnBlToTr>
+                  </a:tcPr>
+                </a:tc>
+                <a:tc>
+                  <a:txBody>
+                    <a:bodyPr/>
+                    <a:p>
+                      <a:pPr algn="ctr">
+                        <a:buNone/>
+                      </a:pPr>
+                      <a:r>
+                        <a:rPr lang="en-US" b="1">
+                          <a:solidFill>
+                            <a:srgbClr val="3EAF7C"/>
+                          </a:solidFill>
+                        </a:rPr>
+                        <a:t>5</a:t>
+                      </a:r>
+                      <a:endParaRPr lang="en-US" b="1">
+                        <a:solidFill>
+                          <a:srgbClr val="3EAF7C"/>
+                        </a:solidFill>
+                      </a:endParaRPr>
+                    </a:p>
+                  </a:txBody>
+                  <a:tcPr>
+                    <a:lnL w="38100">
+                      <a:solidFill>
+                        <a:schemeClr val="tx1"/>
+                      </a:solidFill>
+                      <a:prstDash val="solid"/>
+                    </a:lnL>
+                    <a:lnR w="38100">
+                      <a:solidFill>
+                        <a:schemeClr val="tx1"/>
+                      </a:solidFill>
+                      <a:prstDash val="solid"/>
+                    </a:lnR>
+                    <a:lnT w="38100">
+                      <a:solidFill>
+                        <a:schemeClr val="tx1"/>
+                      </a:solidFill>
+                      <a:prstDash val="solid"/>
+                    </a:lnT>
+                    <a:lnB w="38100">
+                      <a:solidFill>
+                        <a:schemeClr val="tx1"/>
+                      </a:solidFill>
+                      <a:prstDash val="solid"/>
+                    </a:lnB>
+                    <a:lnTlToBr>
+                      <a:noFill/>
+                    </a:lnTlToBr>
+                    <a:lnBlToTr>
+                      <a:noFill/>
+                    </a:lnBlToTr>
+                  </a:tcPr>
+                </a:tc>
+                <a:tc>
+                  <a:txBody>
+                    <a:bodyPr/>
+                    <a:p>
+                      <a:pPr algn="ctr">
+                        <a:buNone/>
+                      </a:pPr>
+                      <a:r>
+                        <a:rPr lang="en-US" b="1">
+                          <a:solidFill>
+                            <a:srgbClr val="3EAF7C"/>
+                          </a:solidFill>
+                        </a:rPr>
+                        <a:t>6</a:t>
+                      </a:r>
+                      <a:endParaRPr lang="en-US" b="1">
+                        <a:solidFill>
+                          <a:srgbClr val="3EAF7C"/>
+                        </a:solidFill>
+                      </a:endParaRPr>
+                    </a:p>
+                  </a:txBody>
+                  <a:tcPr>
+                    <a:lnL w="38100">
+                      <a:solidFill>
+                        <a:schemeClr val="tx1"/>
+                      </a:solidFill>
+                      <a:prstDash val="solid"/>
+                    </a:lnL>
+                    <a:lnR w="38100">
+                      <a:solidFill>
+                        <a:schemeClr val="tx1"/>
+                      </a:solidFill>
+                      <a:prstDash val="solid"/>
+                    </a:lnR>
+                    <a:lnT w="38100">
+                      <a:solidFill>
+                        <a:schemeClr val="tx1"/>
+                      </a:solidFill>
+                      <a:prstDash val="solid"/>
+                    </a:lnT>
+                    <a:lnB w="38100">
+                      <a:solidFill>
+                        <a:schemeClr val="tx1"/>
+                      </a:solidFill>
+                      <a:prstDash val="solid"/>
+                    </a:lnB>
+                    <a:lnTlToBr>
+                      <a:noFill/>
+                    </a:lnTlToBr>
+                    <a:lnBlToTr>
+                      <a:noFill/>
+                    </a:lnBlToTr>
+                  </a:tcPr>
+                </a:tc>
+                <a:tc>
+                  <a:txBody>
+                    <a:bodyPr/>
+                    <a:p>
+                      <a:pPr algn="ctr">
+                        <a:buNone/>
+                      </a:pPr>
+                      <a:r>
+                        <a:rPr lang="en-US" b="1">
+                          <a:solidFill>
+                            <a:srgbClr val="3EAF7C"/>
+                          </a:solidFill>
+                        </a:rPr>
+                        <a:t>7</a:t>
+                      </a:r>
+                      <a:endParaRPr lang="en-US" b="1">
+                        <a:solidFill>
+                          <a:srgbClr val="3EAF7C"/>
+                        </a:solidFill>
+                      </a:endParaRPr>
+                    </a:p>
+                  </a:txBody>
+                  <a:tcPr>
+                    <a:lnL w="38100">
+                      <a:solidFill>
+                        <a:schemeClr val="tx1"/>
+                      </a:solidFill>
+                      <a:prstDash val="solid"/>
+                    </a:lnL>
+                    <a:lnR w="38100">
+                      <a:solidFill>
+                        <a:schemeClr val="tx1"/>
+                      </a:solidFill>
+                      <a:prstDash val="solid"/>
+                    </a:lnR>
+                    <a:lnT w="38100">
+                      <a:solidFill>
+                        <a:schemeClr val="tx1"/>
+                      </a:solidFill>
+                      <a:prstDash val="solid"/>
+                    </a:lnT>
+                    <a:lnB w="38100">
+                      <a:solidFill>
+                        <a:schemeClr val="tx1"/>
+                      </a:solidFill>
+                      <a:prstDash val="solid"/>
+                    </a:lnB>
+                    <a:lnTlToBr>
+                      <a:noFill/>
+                    </a:lnTlToBr>
+                    <a:lnBlToTr>
+                      <a:noFill/>
+                    </a:lnBlToTr>
+                  </a:tcPr>
+                </a:tc>
+              </a:tr>
+              <a:tr h="376555">
+                <a:tc>
+                  <a:txBody>
+                    <a:bodyPr/>
+                    <a:p>
+                      <a:pPr algn="ctr">
+                        <a:buNone/>
+                      </a:pPr>
+                      <a:r>
+                        <a:rPr lang="en-US" sz="1400" b="1">
+                          <a:solidFill>
+                            <a:srgbClr val="2C3E50"/>
+                          </a:solidFill>
+                        </a:rPr>
+                        <a:t>0</a:t>
+                      </a:r>
+                      <a:endParaRPr lang="en-US" sz="1400" b="1">
+                        <a:solidFill>
+                          <a:srgbClr val="2C3E50"/>
+                        </a:solidFill>
+                      </a:endParaRPr>
+                    </a:p>
+                  </a:txBody>
+                  <a:tcPr>
+                    <a:lnL w="38100">
+                      <a:solidFill>
+                        <a:schemeClr val="tx1"/>
+                      </a:solidFill>
+                      <a:prstDash val="solid"/>
+                    </a:lnL>
+                    <a:lnR w="38100">
+                      <a:solidFill>
+                        <a:schemeClr val="tx1"/>
+                      </a:solidFill>
+                      <a:prstDash val="solid"/>
+                    </a:lnR>
+                    <a:lnT w="38100">
+                      <a:solidFill>
+                        <a:schemeClr val="tx1"/>
+                      </a:solidFill>
+                      <a:prstDash val="solid"/>
+                    </a:lnT>
+                    <a:lnB w="38100">
+                      <a:solidFill>
+                        <a:schemeClr val="tx1"/>
+                      </a:solidFill>
+                      <a:prstDash val="solid"/>
+                    </a:lnB>
+                    <a:lnTlToBr>
+                      <a:noFill/>
+                    </a:lnTlToBr>
+                    <a:lnBlToTr>
+                      <a:noFill/>
+                    </a:lnBlToTr>
+                  </a:tcPr>
+                </a:tc>
+                <a:tc>
+                  <a:txBody>
+                    <a:bodyPr/>
+                    <a:p>
+                      <a:pPr algn="ctr">
+                        <a:buNone/>
+                      </a:pPr>
+                      <a:r>
+                        <a:rPr lang="en-US" sz="1400" b="1">
+                          <a:solidFill>
+                            <a:srgbClr val="2C3E50"/>
+                          </a:solidFill>
+                        </a:rPr>
+                        <a:t>1</a:t>
+                      </a:r>
+                      <a:endParaRPr lang="en-US" sz="1400" b="1">
+                        <a:solidFill>
+                          <a:srgbClr val="2C3E50"/>
+                        </a:solidFill>
+                      </a:endParaRPr>
+                    </a:p>
+                  </a:txBody>
+                  <a:tcPr>
+                    <a:lnL w="38100">
+                      <a:solidFill>
+                        <a:schemeClr val="tx1"/>
+                      </a:solidFill>
+                      <a:prstDash val="solid"/>
+                    </a:lnL>
+                    <a:lnR w="38100">
+                      <a:solidFill>
+                        <a:schemeClr val="tx1"/>
+                      </a:solidFill>
+                      <a:prstDash val="solid"/>
+                    </a:lnR>
+                    <a:lnT w="38100">
+                      <a:solidFill>
+                        <a:schemeClr val="tx1"/>
+                      </a:solidFill>
+                      <a:prstDash val="solid"/>
+                    </a:lnT>
+                    <a:lnB w="38100">
+                      <a:solidFill>
+                        <a:schemeClr val="tx1"/>
+                      </a:solidFill>
+                      <a:prstDash val="solid"/>
+                    </a:lnB>
+                    <a:lnTlToBr>
+                      <a:noFill/>
+                    </a:lnTlToBr>
+                    <a:lnBlToTr>
+                      <a:noFill/>
+                    </a:lnBlToTr>
+                  </a:tcPr>
+                </a:tc>
+                <a:tc>
+                  <a:txBody>
+                    <a:bodyPr/>
+                    <a:p>
+                      <a:pPr algn="ctr">
+                        <a:buNone/>
+                      </a:pPr>
+                      <a:r>
+                        <a:rPr lang="en-US" sz="1400" b="1">
+                          <a:solidFill>
+                            <a:srgbClr val="2C3E50"/>
+                          </a:solidFill>
+                        </a:rPr>
+                        <a:t>1</a:t>
+                      </a:r>
+                      <a:endParaRPr lang="en-US" sz="1400" b="1">
+                        <a:solidFill>
+                          <a:srgbClr val="2C3E50"/>
+                        </a:solidFill>
+                      </a:endParaRPr>
+                    </a:p>
+                  </a:txBody>
+                  <a:tcPr>
+                    <a:lnL w="38100">
+                      <a:solidFill>
+                        <a:schemeClr val="tx1"/>
+                      </a:solidFill>
+                      <a:prstDash val="solid"/>
+                    </a:lnL>
+                    <a:lnR w="38100">
+                      <a:solidFill>
+                        <a:schemeClr val="tx1"/>
+                      </a:solidFill>
+                      <a:prstDash val="solid"/>
+                    </a:lnR>
+                    <a:lnT w="38100">
+                      <a:solidFill>
+                        <a:schemeClr val="tx1"/>
+                      </a:solidFill>
+                      <a:prstDash val="solid"/>
+                    </a:lnT>
+                    <a:lnB w="38100">
+                      <a:solidFill>
+                        <a:schemeClr val="tx1"/>
+                      </a:solidFill>
+                      <a:prstDash val="solid"/>
+                    </a:lnB>
+                    <a:lnTlToBr>
+                      <a:noFill/>
+                    </a:lnTlToBr>
+                    <a:lnBlToTr>
+                      <a:noFill/>
+                    </a:lnBlToTr>
+                  </a:tcPr>
+                </a:tc>
+                <a:tc>
+                  <a:txBody>
+                    <a:bodyPr/>
+                    <a:p>
+                      <a:pPr algn="ctr">
+                        <a:buNone/>
+                      </a:pPr>
+                      <a:r>
+                        <a:rPr lang="en-US" sz="1400" b="1">
+                          <a:solidFill>
+                            <a:srgbClr val="2C3E50"/>
+                          </a:solidFill>
+                        </a:rPr>
+                        <a:t>2</a:t>
+                      </a:r>
+                      <a:endParaRPr lang="en-US" sz="1400" b="1">
+                        <a:solidFill>
+                          <a:srgbClr val="2C3E50"/>
+                        </a:solidFill>
+                      </a:endParaRPr>
+                    </a:p>
+                  </a:txBody>
+                  <a:tcPr>
+                    <a:lnL w="38100">
+                      <a:solidFill>
+                        <a:schemeClr val="tx1"/>
+                      </a:solidFill>
+                      <a:prstDash val="solid"/>
+                    </a:lnL>
+                    <a:lnR w="38100">
+                      <a:solidFill>
+                        <a:schemeClr val="tx1"/>
+                      </a:solidFill>
+                      <a:prstDash val="solid"/>
+                    </a:lnR>
+                    <a:lnT w="38100">
+                      <a:solidFill>
+                        <a:schemeClr val="tx1"/>
+                      </a:solidFill>
+                      <a:prstDash val="solid"/>
+                    </a:lnT>
+                    <a:lnB w="38100">
+                      <a:solidFill>
+                        <a:schemeClr val="tx1"/>
+                      </a:solidFill>
+                      <a:prstDash val="solid"/>
+                    </a:lnB>
+                    <a:lnTlToBr>
+                      <a:noFill/>
+                    </a:lnTlToBr>
+                    <a:lnBlToTr>
+                      <a:noFill/>
+                    </a:lnBlToTr>
+                  </a:tcPr>
+                </a:tc>
+                <a:tc>
+                  <a:txBody>
+                    <a:bodyPr/>
+                    <a:p>
+                      <a:pPr algn="ctr">
+                        <a:buNone/>
+                      </a:pPr>
+                      <a:r>
+                        <a:rPr lang="en-US" sz="1400" b="1">
+                          <a:solidFill>
+                            <a:srgbClr val="2C3E50"/>
+                          </a:solidFill>
+                        </a:rPr>
+                        <a:t>3</a:t>
+                      </a:r>
+                      <a:endParaRPr lang="en-US" sz="1400" b="1">
+                        <a:solidFill>
+                          <a:srgbClr val="2C3E50"/>
+                        </a:solidFill>
+                      </a:endParaRPr>
+                    </a:p>
+                  </a:txBody>
+                  <a:tcPr>
+                    <a:lnL w="38100">
+                      <a:solidFill>
+                        <a:schemeClr val="tx1"/>
+                      </a:solidFill>
+                      <a:prstDash val="solid"/>
+                    </a:lnL>
+                    <a:lnR w="38100">
+                      <a:solidFill>
+                        <a:schemeClr val="tx1"/>
+                      </a:solidFill>
+                      <a:prstDash val="solid"/>
+                    </a:lnR>
+                    <a:lnT w="38100">
+                      <a:solidFill>
+                        <a:schemeClr val="tx1"/>
+                      </a:solidFill>
+                      <a:prstDash val="solid"/>
+                    </a:lnT>
+                    <a:lnB w="38100">
+                      <a:solidFill>
+                        <a:schemeClr val="tx1"/>
+                      </a:solidFill>
+                      <a:prstDash val="solid"/>
+                    </a:lnB>
+                    <a:lnTlToBr>
+                      <a:noFill/>
+                    </a:lnTlToBr>
+                    <a:lnBlToTr>
+                      <a:noFill/>
+                    </a:lnBlToTr>
+                  </a:tcPr>
+                </a:tc>
+                <a:tc>
+                  <a:txBody>
+                    <a:bodyPr/>
+                    <a:p>
+                      <a:pPr algn="ctr">
+                        <a:buNone/>
+                      </a:pPr>
+                      <a:r>
+                        <a:rPr lang="en-US" sz="1400" b="1">
+                          <a:solidFill>
+                            <a:srgbClr val="2C3E50"/>
+                          </a:solidFill>
+                        </a:rPr>
+                        <a:t>5</a:t>
+                      </a:r>
+                      <a:endParaRPr lang="en-US" sz="1400" b="1">
+                        <a:solidFill>
+                          <a:srgbClr val="2C3E50"/>
+                        </a:solidFill>
+                      </a:endParaRPr>
+                    </a:p>
+                  </a:txBody>
+                  <a:tcPr>
+                    <a:lnL w="38100">
+                      <a:solidFill>
+                        <a:schemeClr val="tx1"/>
+                      </a:solidFill>
+                      <a:prstDash val="solid"/>
+                    </a:lnL>
+                    <a:lnR w="38100">
+                      <a:solidFill>
+                        <a:schemeClr val="tx1"/>
+                      </a:solidFill>
+                      <a:prstDash val="solid"/>
+                    </a:lnR>
+                    <a:lnT w="38100">
+                      <a:solidFill>
+                        <a:schemeClr val="tx1"/>
+                      </a:solidFill>
+                      <a:prstDash val="solid"/>
+                    </a:lnT>
+                    <a:lnB w="38100">
+                      <a:solidFill>
+                        <a:schemeClr val="tx1"/>
+                      </a:solidFill>
+                      <a:prstDash val="solid"/>
+                    </a:lnB>
+                    <a:lnTlToBr>
+                      <a:noFill/>
+                    </a:lnTlToBr>
+                    <a:lnBlToTr>
+                      <a:noFill/>
+                    </a:lnBlToTr>
+                  </a:tcPr>
+                </a:tc>
+                <a:tc>
+                  <a:txBody>
+                    <a:bodyPr/>
+                    <a:p>
+                      <a:pPr algn="ctr">
+                        <a:buNone/>
+                      </a:pPr>
+                      <a:r>
+                        <a:rPr lang="en-US" sz="1400" b="1">
+                          <a:solidFill>
+                            <a:srgbClr val="2C3E50"/>
+                          </a:solidFill>
+                        </a:rPr>
+                        <a:t>8</a:t>
+                      </a:r>
+                      <a:endParaRPr lang="en-US" sz="1400" b="1">
+                        <a:solidFill>
+                          <a:srgbClr val="2C3E50"/>
+                        </a:solidFill>
+                      </a:endParaRPr>
+                    </a:p>
+                  </a:txBody>
+                  <a:tcPr>
+                    <a:lnL w="38100">
+                      <a:solidFill>
+                        <a:schemeClr val="tx1"/>
+                      </a:solidFill>
+                      <a:prstDash val="solid"/>
+                    </a:lnL>
+                    <a:lnR w="38100">
+                      <a:solidFill>
+                        <a:schemeClr val="tx1"/>
+                      </a:solidFill>
+                      <a:prstDash val="solid"/>
+                    </a:lnR>
+                    <a:lnT w="38100">
+                      <a:solidFill>
+                        <a:schemeClr val="tx1"/>
+                      </a:solidFill>
+                      <a:prstDash val="solid"/>
+                    </a:lnT>
+                    <a:lnB w="38100">
+                      <a:solidFill>
+                        <a:schemeClr val="tx1"/>
+                      </a:solidFill>
+                      <a:prstDash val="solid"/>
+                    </a:lnB>
+                    <a:lnTlToBr>
+                      <a:noFill/>
+                    </a:lnTlToBr>
+                    <a:lnBlToTr>
+                      <a:noFill/>
+                    </a:lnBlToTr>
+                  </a:tcPr>
+                </a:tc>
+                <a:tc>
+                  <a:txBody>
+                    <a:bodyPr/>
+                    <a:p>
+                      <a:pPr algn="ctr">
+                        <a:buNone/>
+                      </a:pPr>
+                      <a:r>
+                        <a:rPr lang="en-US" sz="1400" b="1">
+                          <a:solidFill>
+                            <a:srgbClr val="2C3E50"/>
+                          </a:solidFill>
+                        </a:rPr>
+                        <a:t>13</a:t>
+                      </a:r>
+                      <a:endParaRPr lang="en-US" sz="1400" b="1">
+                        <a:solidFill>
+                          <a:srgbClr val="2C3E50"/>
+                        </a:solidFill>
+                      </a:endParaRPr>
+                    </a:p>
+                  </a:txBody>
+                  <a:tcPr>
+                    <a:lnL w="38100">
+                      <a:solidFill>
+                        <a:schemeClr val="tx1"/>
+                      </a:solidFill>
+                      <a:prstDash val="solid"/>
+                    </a:lnL>
+                    <a:lnR w="38100">
+                      <a:solidFill>
+                        <a:schemeClr val="tx1"/>
+                      </a:solidFill>
+                      <a:prstDash val="solid"/>
+                    </a:lnR>
+                    <a:lnT w="38100">
+                      <a:solidFill>
+                        <a:schemeClr val="tx1"/>
+                      </a:solidFill>
+                      <a:prstDash val="solid"/>
+                    </a:lnT>
+                    <a:lnB w="38100">
+                      <a:solidFill>
+                        <a:schemeClr val="tx1"/>
+                      </a:solidFill>
+                      <a:prstDash val="solid"/>
+                    </a:lnB>
+                    <a:lnTlToBr>
+                      <a:noFill/>
+                    </a:lnTlToBr>
+                    <a:lnBlToTr>
+                      <a:noFill/>
+                    </a:lnBlToTr>
+                  </a:tcPr>
+                </a:tc>
+              </a:tr>
+            </a:tbl>
+          </a:graphicData>
+        </a:graphic>
+      </p:graphicFrame>
+      <p:sp>
+        <p:nvSpPr>
+          <p:cNvPr id="8" name="Left Brace 7"/>
+          <p:cNvSpPr/>
+          <p:nvPr/>
+        </p:nvSpPr>
+        <p:spPr>
+          <a:xfrm>
+            <a:off x="6057900" y="3054350"/>
+            <a:ext cx="76200" cy="883285"/>
+          </a:xfrm>
+          <a:prstGeom prst="leftBrace">
+            <a:avLst/>
+          </a:prstGeom>
+          <a:ln w="38100">
+            <a:solidFill>
+              <a:srgbClr val="2C3E50"/>
+            </a:solidFill>
+          </a:ln>
+        </p:spPr>
+        <p:style>
+          <a:lnRef idx="1">
+            <a:schemeClr val="accent1"/>
+          </a:lnRef>
+          <a:fillRef idx="0">
+            <a:schemeClr val="accent1"/>
+          </a:fillRef>
+          <a:effectRef idx="0">
+            <a:schemeClr val="accent1"/>
+          </a:effectRef>
+          <a:fontRef idx="minor">
+            <a:schemeClr val="tx1"/>
+          </a:fontRef>
+        </p:style>
+        <p:txBody>
+          <a:bodyPr rtlCol="0" anchor="ctr"/>
+          <a:p>
+            <a:pPr algn="ctr"/>
+            <a:endParaRPr lang="en-US" b="1">
+              <a:solidFill>
+                <a:srgbClr val="2C3E50"/>
+              </a:solidFill>
+            </a:endParaRPr>
+          </a:p>
+        </p:txBody>
+      </p:sp>
+      <p:sp>
+        <p:nvSpPr>
+          <p:cNvPr id="9" name="Text Box 8"/>
+          <p:cNvSpPr txBox="true"/>
+          <p:nvPr/>
+        </p:nvSpPr>
+        <p:spPr>
+          <a:xfrm>
+            <a:off x="6253480" y="3134360"/>
+            <a:ext cx="3825875" cy="737235"/>
+          </a:xfrm>
+          <a:prstGeom prst="rect">
+            <a:avLst/>
+          </a:prstGeom>
+          <a:noFill/>
+        </p:spPr>
+        <p:txBody>
+          <a:bodyPr wrap="none" rtlCol="0">
+            <a:spAutoFit/>
+          </a:bodyPr>
+          <a:p>
+            <a:pPr algn="l"/>
+            <a:r>
+              <a:rPr lang="en-US" sz="1400" b="1">
+                <a:solidFill>
+                  <a:srgbClr val="2C3E50"/>
+                </a:solidFill>
+              </a:rPr>
+              <a:t>F(0) = 0,   F(1) = 1</a:t>
+            </a:r>
+            <a:endParaRPr lang="en-US" sz="1400" b="1">
+              <a:solidFill>
+                <a:srgbClr val="2C3E50"/>
+              </a:solidFill>
+            </a:endParaRPr>
+          </a:p>
+          <a:p>
+            <a:pPr algn="l"/>
+            <a:endParaRPr lang="en-US" sz="1400" b="1">
+              <a:solidFill>
+                <a:srgbClr val="2C3E50"/>
+              </a:solidFill>
+            </a:endParaRPr>
+          </a:p>
+          <a:p>
+            <a:pPr algn="l"/>
+            <a:r>
+              <a:rPr lang="en-US" sz="1400" b="1">
+                <a:solidFill>
+                  <a:srgbClr val="2C3E50"/>
+                </a:solidFill>
+              </a:rPr>
+              <a:t>F(N) = F(N - 1) + F(N - 2), 其中 N &gt; 1.</a:t>
+            </a:r>
+            <a:endParaRPr lang="en-US" sz="1400" b="1">
+              <a:solidFill>
+                <a:srgbClr val="2C3E50"/>
+              </a:solidFill>
+            </a:endParaRPr>
+          </a:p>
+        </p:txBody>
+      </p:sp>
+      <p:sp>
+        <p:nvSpPr>
+          <p:cNvPr id="10" name="Text Box 9"/>
+          <p:cNvSpPr txBox="true"/>
+          <p:nvPr/>
+        </p:nvSpPr>
+        <p:spPr>
+          <a:xfrm>
+            <a:off x="970915" y="2564765"/>
+            <a:ext cx="4307840" cy="737235"/>
+          </a:xfrm>
+          <a:prstGeom prst="rect">
+            <a:avLst/>
+          </a:prstGeom>
+          <a:noFill/>
+        </p:spPr>
+        <p:txBody>
+          <a:bodyPr wrap="none" rtlCol="0">
+            <a:spAutoFit/>
+          </a:bodyPr>
+          <a:p>
+            <a:pPr algn="l"/>
+            <a:r>
+              <a:rPr lang="zh-CN" altLang="en-US" sz="1400" b="1">
+                <a:solidFill>
+                  <a:srgbClr val="2C3E50"/>
+                </a:solidFill>
+              </a:rPr>
+              <a:t>以</a:t>
+            </a:r>
+            <a:r>
+              <a:rPr lang="en-US" sz="1400" b="1">
+                <a:solidFill>
+                  <a:srgbClr val="2C3E50"/>
+                </a:solidFill>
+                <a:sym typeface="+mn-ea"/>
+              </a:rPr>
+              <a:t>斐波那契数列</a:t>
+            </a:r>
+            <a:r>
+              <a:rPr lang="zh-CN" altLang="en-US" sz="1400" b="1">
+                <a:solidFill>
+                  <a:srgbClr val="2C3E50"/>
+                </a:solidFill>
+                <a:sym typeface="+mn-ea"/>
+              </a:rPr>
+              <a:t>为例，如果我们要求</a:t>
+            </a:r>
+            <a:r>
+              <a:rPr lang="" altLang="zh-CN" sz="1400" b="1">
+                <a:solidFill>
+                  <a:srgbClr val="2C3E50"/>
+                </a:solidFill>
+                <a:sym typeface="+mn-ea"/>
+              </a:rPr>
+              <a:t>f(7), </a:t>
+            </a:r>
+            <a:r>
+              <a:rPr lang="zh-CN" altLang="" sz="1400" b="1">
+                <a:solidFill>
+                  <a:srgbClr val="2C3E50"/>
+                </a:solidFill>
+                <a:sym typeface="+mn-ea"/>
+              </a:rPr>
+              <a:t>那么我们</a:t>
+            </a:r>
+            <a:endParaRPr lang="zh-CN" altLang="" sz="1400" b="1">
+              <a:solidFill>
+                <a:srgbClr val="2C3E50"/>
+              </a:solidFill>
+              <a:sym typeface="+mn-ea"/>
+            </a:endParaRPr>
+          </a:p>
+          <a:p>
+            <a:pPr algn="l"/>
+            <a:r>
+              <a:rPr lang="zh-CN" altLang="" sz="1400" b="1">
+                <a:solidFill>
+                  <a:srgbClr val="2C3E50"/>
+                </a:solidFill>
+                <a:sym typeface="+mn-ea"/>
+              </a:rPr>
+              <a:t>只要求出</a:t>
+            </a:r>
+            <a:r>
+              <a:rPr lang="" altLang="zh-CN" sz="1400" b="1">
+                <a:solidFill>
+                  <a:srgbClr val="2C3E50"/>
+                </a:solidFill>
+                <a:sym typeface="+mn-ea"/>
+              </a:rPr>
+              <a:t>f(6)</a:t>
+            </a:r>
+            <a:r>
+              <a:rPr lang="zh-CN" altLang="" sz="1400" b="1">
+                <a:solidFill>
+                  <a:srgbClr val="2C3E50"/>
+                </a:solidFill>
+                <a:sym typeface="+mn-ea"/>
+              </a:rPr>
+              <a:t>和</a:t>
+            </a:r>
+            <a:r>
+              <a:rPr lang="" altLang="zh-CN" sz="1400" b="1">
+                <a:solidFill>
+                  <a:srgbClr val="2C3E50"/>
+                </a:solidFill>
+                <a:sym typeface="+mn-ea"/>
+              </a:rPr>
+              <a:t>f(5)</a:t>
+            </a:r>
+            <a:r>
+              <a:rPr lang="zh-CN" altLang="" sz="1400" b="1">
+                <a:solidFill>
+                  <a:srgbClr val="2C3E50"/>
+                </a:solidFill>
+                <a:sym typeface="+mn-ea"/>
+              </a:rPr>
+              <a:t>即可。同样</a:t>
+            </a:r>
+            <a:r>
+              <a:rPr lang="" altLang="zh-CN" sz="1400" b="1">
+                <a:solidFill>
+                  <a:srgbClr val="2C3E50"/>
+                </a:solidFill>
+                <a:sym typeface="+mn-ea"/>
+              </a:rPr>
+              <a:t>f(6)</a:t>
+            </a:r>
+            <a:r>
+              <a:rPr lang="zh-CN" altLang="" sz="1400" b="1">
+                <a:solidFill>
+                  <a:srgbClr val="2C3E50"/>
+                </a:solidFill>
+                <a:sym typeface="+mn-ea"/>
+              </a:rPr>
+              <a:t>也可以继续分解</a:t>
+            </a:r>
+            <a:endParaRPr lang="zh-CN" altLang="" sz="1400" b="1">
+              <a:solidFill>
+                <a:srgbClr val="2C3E50"/>
+              </a:solidFill>
+              <a:sym typeface="+mn-ea"/>
+            </a:endParaRPr>
+          </a:p>
+          <a:p>
+            <a:pPr algn="l"/>
+            <a:r>
+              <a:rPr lang="zh-CN" altLang="" sz="1400" b="1">
+                <a:solidFill>
+                  <a:srgbClr val="2C3E50"/>
+                </a:solidFill>
+                <a:sym typeface="+mn-ea"/>
+              </a:rPr>
+              <a:t>直到最少规模</a:t>
+            </a:r>
+            <a:r>
+              <a:rPr lang="" altLang="zh-CN" sz="1400" b="1">
+                <a:solidFill>
+                  <a:srgbClr val="2C3E50"/>
+                </a:solidFill>
+                <a:sym typeface="+mn-ea"/>
+              </a:rPr>
+              <a:t>f(0).</a:t>
+            </a:r>
+            <a:endParaRPr lang="" altLang="zh-CN" sz="1400" b="1">
+              <a:solidFill>
+                <a:srgbClr val="2C3E50"/>
+              </a:solidFill>
+              <a:sym typeface="+mn-ea"/>
+            </a:endParaRPr>
+          </a:p>
+        </p:txBody>
+      </p:sp>
+      <p:sp>
+        <p:nvSpPr>
+          <p:cNvPr id="14" name="Text Box 13"/>
+          <p:cNvSpPr txBox="true"/>
+          <p:nvPr/>
+        </p:nvSpPr>
+        <p:spPr>
+          <a:xfrm>
+            <a:off x="897890" y="1887220"/>
+            <a:ext cx="1583690" cy="368300"/>
+          </a:xfrm>
+          <a:prstGeom prst="rect">
+            <a:avLst/>
+          </a:prstGeom>
+          <a:noFill/>
+        </p:spPr>
+        <p:txBody>
+          <a:bodyPr wrap="none" rtlCol="0">
+            <a:spAutoFit/>
+          </a:bodyPr>
+          <a:p>
+            <a:pPr algn="l"/>
+            <a:r>
+              <a:rPr lang="en-US" b="1">
+                <a:solidFill>
+                  <a:srgbClr val="2C3E50"/>
+                </a:solidFill>
+              </a:rPr>
+              <a:t>1.1 </a:t>
+            </a:r>
+            <a:r>
+              <a:rPr lang="zh-CN" altLang="en-US" b="1">
+                <a:solidFill>
+                  <a:srgbClr val="2C3E50"/>
+                </a:solidFill>
+              </a:rPr>
+              <a:t>单点划分</a:t>
+            </a:r>
+            <a:endParaRPr lang="" altLang="zh-CN" b="1">
+              <a:solidFill>
+                <a:srgbClr val="2C3E50"/>
+              </a:solidFill>
+              <a:sym typeface="+mn-ea"/>
+            </a:endParaRPr>
+          </a:p>
+        </p:txBody>
+      </p:sp>
+      <p:sp>
+        <p:nvSpPr>
+          <p:cNvPr id="15" name="Text Box 14"/>
+          <p:cNvSpPr txBox="true"/>
+          <p:nvPr/>
+        </p:nvSpPr>
+        <p:spPr>
+          <a:xfrm>
+            <a:off x="897890" y="4006850"/>
+            <a:ext cx="1583690" cy="368300"/>
+          </a:xfrm>
+          <a:prstGeom prst="rect">
+            <a:avLst/>
+          </a:prstGeom>
+          <a:noFill/>
+        </p:spPr>
+        <p:txBody>
+          <a:bodyPr wrap="none" rtlCol="0">
+            <a:spAutoFit/>
+          </a:bodyPr>
+          <a:p>
+            <a:r>
+              <a:rPr lang="en-US" b="1">
+                <a:solidFill>
+                  <a:srgbClr val="2C3E50"/>
+                </a:solidFill>
+              </a:rPr>
+              <a:t>1.2 </a:t>
+            </a:r>
+            <a:r>
+              <a:rPr lang="zh-CN" altLang="en-US" b="1">
+                <a:solidFill>
+                  <a:srgbClr val="2C3E50"/>
+                </a:solidFill>
+              </a:rPr>
+              <a:t>区间</a:t>
+            </a:r>
+            <a:r>
+              <a:rPr lang="zh-CN" altLang="en-US" b="1">
+                <a:solidFill>
+                  <a:srgbClr val="2C3E50"/>
+                </a:solidFill>
+              </a:rPr>
+              <a:t>划分</a:t>
+            </a:r>
+            <a:endParaRPr lang="zh-CN" altLang="en-US" b="1">
+              <a:solidFill>
+                <a:srgbClr val="2C3E50"/>
+              </a:solidFill>
+            </a:endParaRPr>
+          </a:p>
+        </p:txBody>
+      </p:sp>
+      <p:sp>
+        <p:nvSpPr>
+          <p:cNvPr id="16" name="Text Box 15"/>
+          <p:cNvSpPr txBox="true"/>
+          <p:nvPr/>
+        </p:nvSpPr>
+        <p:spPr>
+          <a:xfrm>
+            <a:off x="6057900" y="4503420"/>
+            <a:ext cx="1788795" cy="306705"/>
+          </a:xfrm>
+          <a:prstGeom prst="rect">
+            <a:avLst/>
+          </a:prstGeom>
+          <a:noFill/>
+        </p:spPr>
+        <p:txBody>
+          <a:bodyPr wrap="none" rtlCol="0">
+            <a:spAutoFit/>
+          </a:bodyPr>
+          <a:p>
+            <a:pPr algn="l"/>
+            <a:r>
+              <a:rPr lang="en-US" sz="1400" b="1">
+                <a:solidFill>
+                  <a:srgbClr val="2C3E50"/>
+                </a:solidFill>
+              </a:rPr>
+              <a:t>合并石头的最低成本</a:t>
+            </a:r>
+            <a:endParaRPr lang="en-US" sz="1400" b="1">
+              <a:solidFill>
+                <a:srgbClr val="2C3E50"/>
+              </a:solidFill>
+            </a:endParaRPr>
+          </a:p>
+        </p:txBody>
+      </p:sp>
+      <p:sp>
+        <p:nvSpPr>
+          <p:cNvPr id="17" name="Text Box 16"/>
+          <p:cNvSpPr txBox="true"/>
+          <p:nvPr/>
+        </p:nvSpPr>
+        <p:spPr>
+          <a:xfrm>
+            <a:off x="6021705" y="1580515"/>
+            <a:ext cx="1253490" cy="306705"/>
+          </a:xfrm>
+          <a:prstGeom prst="rect">
+            <a:avLst/>
+          </a:prstGeom>
+          <a:noFill/>
+        </p:spPr>
+        <p:txBody>
+          <a:bodyPr wrap="none" rtlCol="0">
+            <a:spAutoFit/>
+          </a:bodyPr>
+          <a:p>
+            <a:pPr algn="l"/>
+            <a:r>
+              <a:rPr lang="en-US" sz="1400" b="1">
+                <a:solidFill>
+                  <a:srgbClr val="2C3E50"/>
+                </a:solidFill>
+              </a:rPr>
+              <a:t>斐波那契数列</a:t>
+            </a:r>
+            <a:endParaRPr lang="en-US" sz="1400" b="1">
+              <a:solidFill>
+                <a:srgbClr val="2C3E50"/>
+              </a:solidFill>
+            </a:endParaRPr>
+          </a:p>
+        </p:txBody>
+      </p:sp>
+      <p:sp>
+        <p:nvSpPr>
+          <p:cNvPr id="18" name="Text Box 17"/>
+          <p:cNvSpPr txBox="true"/>
+          <p:nvPr/>
+        </p:nvSpPr>
+        <p:spPr>
+          <a:xfrm>
+            <a:off x="6021705" y="4810125"/>
+            <a:ext cx="4735195" cy="953135"/>
+          </a:xfrm>
+          <a:prstGeom prst="rect">
+            <a:avLst/>
+          </a:prstGeom>
+          <a:noFill/>
+        </p:spPr>
+        <p:txBody>
+          <a:bodyPr wrap="none" rtlCol="0">
+            <a:spAutoFit/>
+          </a:bodyPr>
+          <a:p>
+            <a:pPr algn="l"/>
+            <a:r>
+              <a:rPr lang="en-US" sz="1400" b="1">
+                <a:solidFill>
+                  <a:srgbClr val="2C3E50"/>
+                </a:solidFill>
+              </a:rPr>
+              <a:t>有 N 堆石头排成一排，第 i 堆中有 stones[i] 块石头。</a:t>
+            </a:r>
+            <a:endParaRPr lang="en-US" sz="1400" b="1">
+              <a:solidFill>
+                <a:srgbClr val="2C3E50"/>
+              </a:solidFill>
+            </a:endParaRPr>
+          </a:p>
+          <a:p>
+            <a:pPr algn="l"/>
+            <a:r>
+              <a:rPr lang="en-US" sz="1400" b="1">
+                <a:solidFill>
+                  <a:srgbClr val="2C3E50"/>
+                </a:solidFill>
+              </a:rPr>
+              <a:t>每次移动（move）需要将连续的 K 堆石头合并为一堆，</a:t>
+            </a:r>
+            <a:endParaRPr lang="en-US" sz="1400" b="1">
+              <a:solidFill>
+                <a:srgbClr val="2C3E50"/>
+              </a:solidFill>
+            </a:endParaRPr>
+          </a:p>
+          <a:p>
+            <a:pPr algn="l"/>
+            <a:r>
+              <a:rPr lang="en-US" sz="1400" b="1">
+                <a:solidFill>
+                  <a:srgbClr val="2C3E50"/>
+                </a:solidFill>
+              </a:rPr>
+              <a:t>而这个移动的成本为这 K 堆石头的总数。找出把所有石</a:t>
+            </a:r>
+            <a:endParaRPr lang="en-US" sz="1400" b="1">
+              <a:solidFill>
+                <a:srgbClr val="2C3E50"/>
+              </a:solidFill>
+            </a:endParaRPr>
+          </a:p>
+          <a:p>
+            <a:pPr algn="l"/>
+            <a:r>
+              <a:rPr lang="en-US" sz="1400" b="1">
+                <a:solidFill>
+                  <a:srgbClr val="2C3E50"/>
+                </a:solidFill>
+              </a:rPr>
+              <a:t>头合并成一堆的最低成本。如果不可能，返回 -1</a:t>
+            </a:r>
+            <a:endParaRPr lang="en-US" sz="1400" b="1">
+              <a:solidFill>
+                <a:srgbClr val="2C3E50"/>
+              </a:solidFill>
+            </a:endParaRPr>
+          </a:p>
+        </p:txBody>
+      </p:sp>
+      <p:sp>
+        <p:nvSpPr>
+          <p:cNvPr id="19" name="Text Box 18"/>
+          <p:cNvSpPr txBox="true"/>
+          <p:nvPr/>
+        </p:nvSpPr>
+        <p:spPr>
+          <a:xfrm>
+            <a:off x="6134100" y="5763260"/>
+            <a:ext cx="4566920" cy="306705"/>
+          </a:xfrm>
+          <a:prstGeom prst="rect">
+            <a:avLst/>
+          </a:prstGeom>
+          <a:noFill/>
+        </p:spPr>
+        <p:txBody>
+          <a:bodyPr wrap="none" rtlCol="0">
+            <a:spAutoFit/>
+          </a:bodyPr>
+          <a:p>
+            <a:r>
+              <a:rPr lang="zh-CN" altLang="" sz="1400" b="1">
+                <a:solidFill>
+                  <a:srgbClr val="3EAF7C"/>
+                </a:solidFill>
+              </a:rPr>
+              <a:t>这里为了说明问题我们假设</a:t>
+            </a:r>
+            <a:r>
+              <a:rPr lang="" altLang="zh-CN" sz="1400" b="1">
+                <a:solidFill>
+                  <a:srgbClr val="3EAF7C"/>
+                </a:solidFill>
+              </a:rPr>
+              <a:t>k=2,</a:t>
+            </a:r>
+            <a:r>
+              <a:rPr lang="zh-CN" altLang="" sz="1400" b="1">
+                <a:solidFill>
+                  <a:srgbClr val="3EAF7C"/>
+                </a:solidFill>
+              </a:rPr>
+              <a:t>也就是合并连续的两堆</a:t>
+            </a:r>
+            <a:endParaRPr lang="zh-CN" altLang="" sz="1400" b="1">
+              <a:solidFill>
+                <a:srgbClr val="3EAF7C"/>
+              </a:solidFill>
+            </a:endParaRPr>
+          </a:p>
+        </p:txBody>
+      </p:sp>
+      <p:sp>
+        <p:nvSpPr>
+          <p:cNvPr id="20" name="Text Box 19"/>
+          <p:cNvSpPr txBox="true"/>
+          <p:nvPr/>
+        </p:nvSpPr>
+        <p:spPr>
+          <a:xfrm>
+            <a:off x="897890" y="4568825"/>
+            <a:ext cx="5133975" cy="1168400"/>
+          </a:xfrm>
+          <a:prstGeom prst="rect">
+            <a:avLst/>
+          </a:prstGeom>
+          <a:noFill/>
+        </p:spPr>
+        <p:txBody>
+          <a:bodyPr wrap="none" rtlCol="0">
+            <a:spAutoFit/>
+          </a:bodyPr>
+          <a:p>
+            <a:pPr algn="l"/>
+            <a:r>
+              <a:rPr lang="zh-CN" sz="1400" b="1">
+                <a:solidFill>
+                  <a:srgbClr val="2C3E50"/>
+                </a:solidFill>
+                <a:sym typeface="+mn-ea"/>
+              </a:rPr>
+              <a:t>求</a:t>
+            </a:r>
+            <a:r>
+              <a:rPr lang="en-US" altLang="" sz="1400" b="1">
+                <a:solidFill>
+                  <a:srgbClr val="2C3E50"/>
+                </a:solidFill>
+                <a:sym typeface="+mn-ea"/>
+              </a:rPr>
+              <a:t>F</a:t>
+            </a:r>
+            <a:r>
+              <a:rPr lang="" altLang="zh-CN" sz="1400" b="1">
+                <a:solidFill>
+                  <a:srgbClr val="2C3E50"/>
+                </a:solidFill>
+                <a:sym typeface="+mn-ea"/>
+              </a:rPr>
+              <a:t>[i][j](</a:t>
+            </a:r>
+            <a:r>
+              <a:rPr lang="zh-CN" altLang="" sz="1400" b="1">
+                <a:solidFill>
+                  <a:srgbClr val="2C3E50"/>
+                </a:solidFill>
+                <a:sym typeface="+mn-ea"/>
+              </a:rPr>
+              <a:t>从第</a:t>
+            </a:r>
+            <a:r>
+              <a:rPr lang="" altLang="zh-CN" sz="1400" b="1">
+                <a:solidFill>
+                  <a:srgbClr val="2C3E50"/>
+                </a:solidFill>
+                <a:sym typeface="+mn-ea"/>
+              </a:rPr>
+              <a:t>i</a:t>
+            </a:r>
+            <a:r>
+              <a:rPr lang="zh-CN" altLang="" sz="1400" b="1">
+                <a:solidFill>
+                  <a:srgbClr val="2C3E50"/>
+                </a:solidFill>
+                <a:sym typeface="+mn-ea"/>
+              </a:rPr>
+              <a:t>堆到</a:t>
+            </a:r>
+            <a:r>
+              <a:rPr lang="" altLang="zh-CN" sz="1400" b="1">
+                <a:solidFill>
+                  <a:srgbClr val="2C3E50"/>
+                </a:solidFill>
+                <a:sym typeface="+mn-ea"/>
+              </a:rPr>
+              <a:t>j</a:t>
+            </a:r>
+            <a:r>
+              <a:rPr lang="zh-CN" altLang="" sz="1400" b="1">
+                <a:solidFill>
+                  <a:srgbClr val="2C3E50"/>
+                </a:solidFill>
+                <a:sym typeface="+mn-ea"/>
+              </a:rPr>
+              <a:t>堆</a:t>
+            </a:r>
+            <a:r>
+              <a:rPr lang="" altLang="zh-CN" sz="1400" b="1">
+                <a:solidFill>
+                  <a:srgbClr val="2C3E50"/>
+                </a:solidFill>
+                <a:sym typeface="+mn-ea"/>
+              </a:rPr>
+              <a:t>,</a:t>
+            </a:r>
+            <a:r>
+              <a:rPr lang="zh-CN" altLang="" sz="1400" b="1">
+                <a:solidFill>
+                  <a:srgbClr val="2C3E50"/>
+                </a:solidFill>
+                <a:sym typeface="+mn-ea"/>
+              </a:rPr>
+              <a:t>由于第次合并连续的两堆，</a:t>
+            </a:r>
+            <a:endParaRPr lang="zh-CN" altLang="" sz="1400" b="1">
+              <a:solidFill>
+                <a:srgbClr val="2C3E50"/>
+              </a:solidFill>
+              <a:sym typeface="+mn-ea"/>
+            </a:endParaRPr>
+          </a:p>
+          <a:p>
+            <a:pPr algn="l"/>
+            <a:r>
+              <a:rPr lang="zh-CN" altLang="" sz="1400" b="1">
+                <a:solidFill>
+                  <a:srgbClr val="2C3E50"/>
+                </a:solidFill>
+                <a:sym typeface="+mn-ea"/>
+              </a:rPr>
+              <a:t>那么必然存在一个</a:t>
+            </a:r>
+            <a:r>
+              <a:rPr lang="" altLang="zh-CN" sz="1400" b="1">
+                <a:solidFill>
+                  <a:srgbClr val="2C3E50"/>
+                </a:solidFill>
+                <a:sym typeface="+mn-ea"/>
+              </a:rPr>
+              <a:t>p</a:t>
+            </a:r>
+            <a:r>
+              <a:rPr lang="zh-CN" altLang="" sz="1400" b="1">
+                <a:solidFill>
+                  <a:srgbClr val="2C3E50"/>
+                </a:solidFill>
+                <a:sym typeface="+mn-ea"/>
+              </a:rPr>
+              <a:t>（</a:t>
+            </a:r>
+            <a:r>
+              <a:rPr lang="" altLang="zh-CN" sz="1400" b="1">
+                <a:solidFill>
+                  <a:srgbClr val="2C3E50"/>
+                </a:solidFill>
+                <a:sym typeface="+mn-ea"/>
+              </a:rPr>
+              <a:t>i&lt;p&lt;j</a:t>
+            </a:r>
+            <a:r>
+              <a:rPr lang="zh-CN" altLang="" sz="1400" b="1">
+                <a:solidFill>
+                  <a:srgbClr val="2C3E50"/>
+                </a:solidFill>
+                <a:sym typeface="+mn-ea"/>
+              </a:rPr>
+              <a:t>）使得</a:t>
+            </a:r>
+            <a:r>
+              <a:rPr lang="en-US" altLang="en-US" sz="1400" b="1">
+                <a:solidFill>
+                  <a:srgbClr val="2C3E50"/>
+                </a:solidFill>
+                <a:sym typeface="+mn-ea"/>
+              </a:rPr>
+              <a:t>F</a:t>
+            </a:r>
+            <a:r>
+              <a:rPr lang="en-US" altLang="zh-CN" sz="1400" b="1">
+                <a:solidFill>
+                  <a:srgbClr val="2C3E50"/>
+                </a:solidFill>
+                <a:sym typeface="+mn-ea"/>
+              </a:rPr>
+              <a:t>[i][</a:t>
+            </a:r>
+            <a:r>
+              <a:rPr lang="" altLang="en-US" sz="1400" b="1">
+                <a:solidFill>
+                  <a:srgbClr val="2C3E50"/>
+                </a:solidFill>
+                <a:sym typeface="+mn-ea"/>
+              </a:rPr>
+              <a:t>p</a:t>
+            </a:r>
+            <a:r>
+              <a:rPr lang="en-US" altLang="zh-CN" sz="1400" b="1">
+                <a:solidFill>
+                  <a:srgbClr val="2C3E50"/>
+                </a:solidFill>
+                <a:sym typeface="+mn-ea"/>
+              </a:rPr>
+              <a:t>]</a:t>
+            </a:r>
+            <a:r>
+              <a:rPr lang="" altLang="zh-CN" sz="1400" b="1">
+                <a:solidFill>
+                  <a:srgbClr val="2C3E50"/>
+                </a:solidFill>
+                <a:sym typeface="+mn-ea"/>
+              </a:rPr>
+              <a:t>+</a:t>
+            </a:r>
+            <a:r>
+              <a:rPr lang="en-US" altLang="en-US" sz="1400" b="1">
+                <a:solidFill>
+                  <a:srgbClr val="2C3E50"/>
+                </a:solidFill>
+                <a:sym typeface="+mn-ea"/>
+              </a:rPr>
+              <a:t>F</a:t>
+            </a:r>
+            <a:r>
+              <a:rPr lang="en-US" altLang="zh-CN" sz="1400" b="1">
+                <a:solidFill>
+                  <a:srgbClr val="2C3E50"/>
+                </a:solidFill>
+                <a:sym typeface="+mn-ea"/>
+              </a:rPr>
+              <a:t>[</a:t>
+            </a:r>
+            <a:r>
+              <a:rPr lang="" altLang="en-US" sz="1400" b="1">
+                <a:solidFill>
+                  <a:srgbClr val="2C3E50"/>
+                </a:solidFill>
+                <a:sym typeface="+mn-ea"/>
+              </a:rPr>
+              <a:t>p</a:t>
+            </a:r>
+            <a:r>
+              <a:rPr lang="en-US" altLang="zh-CN" sz="1400" b="1">
+                <a:solidFill>
+                  <a:srgbClr val="2C3E50"/>
+                </a:solidFill>
+                <a:sym typeface="+mn-ea"/>
+              </a:rPr>
+              <a:t>][j]</a:t>
+            </a:r>
+            <a:r>
+              <a:rPr lang="en-US" altLang="" sz="1400" b="1">
+                <a:solidFill>
+                  <a:srgbClr val="2C3E50"/>
+                </a:solidFill>
+                <a:sym typeface="+mn-ea"/>
+              </a:rPr>
+              <a:t>=</a:t>
+            </a:r>
+            <a:r>
+              <a:rPr lang="en-US" altLang="en-US" sz="1400" b="1">
+                <a:solidFill>
+                  <a:srgbClr val="2C3E50"/>
+                </a:solidFill>
+                <a:sym typeface="+mn-ea"/>
+              </a:rPr>
+              <a:t>F</a:t>
+            </a:r>
+            <a:r>
+              <a:rPr lang="en-US" altLang="zh-CN" sz="1400" b="1">
+                <a:solidFill>
+                  <a:srgbClr val="2C3E50"/>
+                </a:solidFill>
+                <a:sym typeface="+mn-ea"/>
+              </a:rPr>
+              <a:t>[i][j]</a:t>
+            </a:r>
+            <a:endParaRPr lang="en-US" altLang="zh-CN" sz="1400" b="1">
+              <a:solidFill>
+                <a:srgbClr val="2C3E50"/>
+              </a:solidFill>
+              <a:sym typeface="+mn-ea"/>
+            </a:endParaRPr>
+          </a:p>
+          <a:p>
+            <a:pPr algn="l"/>
+            <a:r>
+              <a:rPr lang="zh-CN" altLang="" sz="1400" b="1">
+                <a:solidFill>
+                  <a:srgbClr val="2C3E50"/>
+                </a:solidFill>
+                <a:sym typeface="+mn-ea"/>
+              </a:rPr>
+              <a:t>成本最低</a:t>
+            </a:r>
+            <a:r>
+              <a:rPr lang="" altLang="zh-CN" sz="1400" b="1">
+                <a:solidFill>
+                  <a:srgbClr val="2C3E50"/>
+                </a:solidFill>
+                <a:sym typeface="+mn-ea"/>
+              </a:rPr>
+              <a:t>.</a:t>
+            </a:r>
+            <a:r>
+              <a:rPr lang="zh-CN" altLang="" sz="1400" b="1">
+                <a:solidFill>
+                  <a:srgbClr val="2C3E50"/>
+                </a:solidFill>
+                <a:sym typeface="+mn-ea"/>
+              </a:rPr>
+              <a:t>这样我们就把问题划分为求</a:t>
+            </a:r>
+            <a:r>
+              <a:rPr lang="en-US" altLang="en-US" sz="1400" b="1">
+                <a:solidFill>
+                  <a:srgbClr val="2C3E50"/>
+                </a:solidFill>
+                <a:sym typeface="+mn-ea"/>
+              </a:rPr>
+              <a:t>F</a:t>
+            </a:r>
+            <a:r>
+              <a:rPr lang="en-US" altLang="zh-CN" sz="1400" b="1">
+                <a:solidFill>
+                  <a:srgbClr val="2C3E50"/>
+                </a:solidFill>
+                <a:sym typeface="+mn-ea"/>
+              </a:rPr>
+              <a:t>[i][</a:t>
+            </a:r>
+            <a:r>
+              <a:rPr lang="en-US" altLang="en-US" sz="1400" b="1">
+                <a:solidFill>
+                  <a:srgbClr val="2C3E50"/>
+                </a:solidFill>
+                <a:sym typeface="+mn-ea"/>
+              </a:rPr>
+              <a:t>p</a:t>
+            </a:r>
+            <a:r>
+              <a:rPr lang="en-US" altLang="zh-CN" sz="1400" b="1">
+                <a:solidFill>
+                  <a:srgbClr val="2C3E50"/>
+                </a:solidFill>
+                <a:sym typeface="+mn-ea"/>
+              </a:rPr>
+              <a:t>]</a:t>
+            </a:r>
+            <a:r>
+              <a:rPr lang="zh-CN" altLang="" sz="1400" b="1">
+                <a:solidFill>
+                  <a:srgbClr val="2C3E50"/>
+                </a:solidFill>
+                <a:sym typeface="+mn-ea"/>
+              </a:rPr>
+              <a:t>和</a:t>
+            </a:r>
+            <a:r>
+              <a:rPr lang="en-US" altLang="en-US" sz="1400" b="1">
+                <a:solidFill>
+                  <a:srgbClr val="2C3E50"/>
+                </a:solidFill>
+                <a:sym typeface="+mn-ea"/>
+              </a:rPr>
+              <a:t>F</a:t>
+            </a:r>
+            <a:r>
+              <a:rPr lang="en-US" altLang="zh-CN" sz="1400" b="1">
+                <a:solidFill>
+                  <a:srgbClr val="2C3E50"/>
+                </a:solidFill>
+                <a:sym typeface="+mn-ea"/>
+              </a:rPr>
+              <a:t>[</a:t>
+            </a:r>
+            <a:r>
+              <a:rPr lang="en-US" altLang="en-US" sz="1400" b="1">
+                <a:solidFill>
+                  <a:srgbClr val="2C3E50"/>
+                </a:solidFill>
+                <a:sym typeface="+mn-ea"/>
+              </a:rPr>
+              <a:t>p</a:t>
+            </a:r>
+            <a:r>
+              <a:rPr lang="en-US" altLang="zh-CN" sz="1400" b="1">
+                <a:solidFill>
+                  <a:srgbClr val="2C3E50"/>
+                </a:solidFill>
+                <a:sym typeface="+mn-ea"/>
+              </a:rPr>
+              <a:t>][j]</a:t>
+            </a:r>
+            <a:r>
+              <a:rPr lang="zh-CN" altLang="" sz="1400" b="1">
+                <a:solidFill>
+                  <a:srgbClr val="2C3E50"/>
+                </a:solidFill>
+                <a:sym typeface="+mn-ea"/>
+              </a:rPr>
+              <a:t>两个</a:t>
+            </a:r>
+            <a:endParaRPr lang="zh-CN" altLang="" sz="1400" b="1">
+              <a:solidFill>
+                <a:srgbClr val="2C3E50"/>
+              </a:solidFill>
+              <a:sym typeface="+mn-ea"/>
+            </a:endParaRPr>
+          </a:p>
+          <a:p>
+            <a:pPr algn="l"/>
+            <a:r>
+              <a:rPr lang="zh-CN" altLang="" sz="1400" b="1">
+                <a:solidFill>
+                  <a:srgbClr val="2C3E50"/>
+                </a:solidFill>
+                <a:sym typeface="+mn-ea"/>
+              </a:rPr>
+              <a:t>子问题，使用同样的划分方法，来划分子问题，直到只有两堆</a:t>
+            </a:r>
+            <a:endParaRPr lang="zh-CN" altLang="" sz="1400" b="1">
+              <a:solidFill>
+                <a:srgbClr val="2C3E50"/>
+              </a:solidFill>
+              <a:sym typeface="+mn-ea"/>
+            </a:endParaRPr>
+          </a:p>
+          <a:p>
+            <a:pPr algn="l"/>
+            <a:r>
+              <a:rPr lang="zh-CN" altLang="" sz="1400" b="1">
+                <a:solidFill>
+                  <a:srgbClr val="2C3E50"/>
+                </a:solidFill>
+                <a:sym typeface="+mn-ea"/>
+              </a:rPr>
+              <a:t>可以合并</a:t>
+            </a:r>
+            <a:endParaRPr lang="zh-CN" altLang="" sz="1400" b="1">
+              <a:solidFill>
+                <a:srgbClr val="2C3E50"/>
+              </a:solidFill>
+              <a:sym typeface="+mn-ea"/>
+            </a:endParaRPr>
+          </a:p>
+        </p:txBody>
+      </p:sp>
     </p:spTree>
   </p:cSld>
   <p:clrMapOvr>
@@ -4821,6 +7224,845 @@
         <p:nvPr/>
       </p:nvGrpSpPr>
       <p:grpSpPr/>
+      <p:sp>
+        <p:nvSpPr>
+          <p:cNvPr id="11" name="Text Box 10"/>
+          <p:cNvSpPr txBox="true"/>
+          <p:nvPr/>
+        </p:nvSpPr>
+        <p:spPr>
+          <a:xfrm>
+            <a:off x="2822575" y="1357630"/>
+            <a:ext cx="3946525" cy="368300"/>
+          </a:xfrm>
+          <a:prstGeom prst="rect">
+            <a:avLst/>
+          </a:prstGeom>
+          <a:noFill/>
+        </p:spPr>
+        <p:txBody>
+          <a:bodyPr wrap="none" rtlCol="0">
+            <a:spAutoFit/>
+          </a:bodyPr>
+          <a:p>
+            <a:r>
+              <a:rPr lang="en-US" altLang="en-US" b="1">
+                <a:solidFill>
+                  <a:srgbClr val="2C3E50"/>
+                </a:solidFill>
+              </a:rPr>
+              <a:t>2</a:t>
+            </a:r>
+            <a:r>
+              <a:rPr lang="en-US" b="1">
+                <a:solidFill>
+                  <a:srgbClr val="2C3E50"/>
+                </a:solidFill>
+              </a:rPr>
+              <a:t>. </a:t>
+            </a:r>
+            <a:r>
+              <a:rPr lang="zh-CN" altLang="en-US" b="1">
+                <a:solidFill>
+                  <a:srgbClr val="2C3E50"/>
+                </a:solidFill>
+              </a:rPr>
+              <a:t>找出大规模的小规模问题转化方程</a:t>
+            </a:r>
+            <a:endParaRPr lang="en-US" altLang="zh-CN" b="1">
+              <a:solidFill>
+                <a:srgbClr val="2C3E50"/>
+              </a:solidFill>
+            </a:endParaRPr>
+          </a:p>
+        </p:txBody>
+      </p:sp>
+      <p:sp>
+        <p:nvSpPr>
+          <p:cNvPr id="12" name="Text Box 11"/>
+          <p:cNvSpPr txBox="true"/>
+          <p:nvPr/>
+        </p:nvSpPr>
+        <p:spPr>
+          <a:xfrm>
+            <a:off x="1374140" y="2266950"/>
+            <a:ext cx="5164455" cy="521970"/>
+          </a:xfrm>
+          <a:prstGeom prst="rect">
+            <a:avLst/>
+          </a:prstGeom>
+          <a:noFill/>
+        </p:spPr>
+        <p:txBody>
+          <a:bodyPr wrap="none" rtlCol="0">
+            <a:spAutoFit/>
+          </a:bodyPr>
+          <a:p>
+            <a:pPr algn="l"/>
+            <a:r>
+              <a:rPr lang="zh-CN" altLang="en-US" sz="1400" b="1">
+                <a:solidFill>
+                  <a:srgbClr val="2C3E50"/>
+                </a:solidFill>
+                <a:sym typeface="+mn-ea"/>
+              </a:rPr>
+              <a:t>对于单点划分：</a:t>
+            </a:r>
+            <a:r>
+              <a:rPr lang="en-US" sz="1400" b="1">
+                <a:solidFill>
+                  <a:srgbClr val="2C3E50"/>
+                </a:solidFill>
+                <a:sym typeface="+mn-ea"/>
+              </a:rPr>
+              <a:t>斐波那契数</a:t>
+            </a:r>
+            <a:r>
+              <a:rPr lang="zh-CN" altLang="en-US" sz="1400" b="1">
+                <a:solidFill>
+                  <a:srgbClr val="2C3E50"/>
+                </a:solidFill>
+                <a:sym typeface="+mn-ea"/>
+              </a:rPr>
+              <a:t>列，</a:t>
+            </a:r>
+            <a:r>
+              <a:rPr lang="en-US" sz="1400" b="1">
+                <a:solidFill>
+                  <a:srgbClr val="2C3E50"/>
+                </a:solidFill>
+                <a:sym typeface="+mn-ea"/>
+              </a:rPr>
+              <a:t>F(N) = F(N - 1) + F(N - 2)</a:t>
+            </a:r>
+            <a:endParaRPr lang="en-US" sz="1400" b="1">
+              <a:solidFill>
+                <a:srgbClr val="2C3E50"/>
+              </a:solidFill>
+              <a:sym typeface="+mn-ea"/>
+            </a:endParaRPr>
+          </a:p>
+          <a:p>
+            <a:pPr algn="l"/>
+            <a:r>
+              <a:rPr lang="en-US" altLang="zh-CN" sz="1400" b="1">
+                <a:solidFill>
+                  <a:srgbClr val="2C3E50"/>
+                </a:solidFill>
+                <a:sym typeface="+mn-ea"/>
+              </a:rPr>
+              <a:t>	     </a:t>
+            </a:r>
+            <a:r>
+              <a:rPr lang="zh-CN" altLang="en-US" sz="1400" b="1">
+                <a:solidFill>
+                  <a:srgbClr val="2C3E50"/>
+                </a:solidFill>
+                <a:sym typeface="+mn-ea"/>
+              </a:rPr>
+              <a:t>代码实现：略</a:t>
+            </a:r>
+            <a:endParaRPr lang="zh-CN" altLang="en-US" sz="1400" b="1">
+              <a:solidFill>
+                <a:srgbClr val="2C3E50"/>
+              </a:solidFill>
+              <a:sym typeface="+mn-ea"/>
+            </a:endParaRPr>
+          </a:p>
+        </p:txBody>
+      </p:sp>
+      <p:sp>
+        <p:nvSpPr>
+          <p:cNvPr id="3" name="Text Box 2"/>
+          <p:cNvSpPr txBox="true"/>
+          <p:nvPr/>
+        </p:nvSpPr>
+        <p:spPr>
+          <a:xfrm>
+            <a:off x="708025" y="1357630"/>
+            <a:ext cx="2016760" cy="368300"/>
+          </a:xfrm>
+          <a:prstGeom prst="rect">
+            <a:avLst/>
+          </a:prstGeom>
+          <a:noFill/>
+        </p:spPr>
+        <p:txBody>
+          <a:bodyPr wrap="none" rtlCol="0">
+            <a:spAutoFit/>
+          </a:bodyPr>
+          <a:p>
+            <a:r>
+              <a:rPr lang="zh-CN" altLang="en-US" b="1">
+                <a:solidFill>
+                  <a:srgbClr val="2C3E50"/>
+                </a:solidFill>
+              </a:rPr>
+              <a:t>解决问题的步骤：</a:t>
+            </a:r>
+            <a:endParaRPr lang="zh-CN" altLang="en-US" b="1">
+              <a:solidFill>
+                <a:srgbClr val="2C3E50"/>
+              </a:solidFill>
+            </a:endParaRPr>
+          </a:p>
+        </p:txBody>
+      </p:sp>
+      <p:sp>
+        <p:nvSpPr>
+          <p:cNvPr id="2" name="Text Box 1"/>
+          <p:cNvSpPr txBox="true"/>
+          <p:nvPr/>
+        </p:nvSpPr>
+        <p:spPr>
+          <a:xfrm>
+            <a:off x="589915" y="429895"/>
+            <a:ext cx="1607820" cy="521970"/>
+          </a:xfrm>
+          <a:prstGeom prst="rect">
+            <a:avLst/>
+          </a:prstGeom>
+          <a:noFill/>
+        </p:spPr>
+        <p:txBody>
+          <a:bodyPr wrap="none" rtlCol="0">
+            <a:spAutoFit/>
+          </a:bodyPr>
+          <a:p>
+            <a:r>
+              <a:rPr lang="zh-CN" altLang="en-US" sz="2800" b="1">
+                <a:solidFill>
+                  <a:srgbClr val="2C3E50"/>
+                </a:solidFill>
+              </a:rPr>
+              <a:t>动态规划</a:t>
+            </a:r>
+            <a:endParaRPr lang="zh-CN" altLang="en-US" sz="2800" b="1">
+              <a:solidFill>
+                <a:srgbClr val="2C3E50"/>
+              </a:solidFill>
+            </a:endParaRPr>
+          </a:p>
+        </p:txBody>
+      </p:sp>
+      <p:sp>
+        <p:nvSpPr>
+          <p:cNvPr id="14" name="Text Box 13"/>
+          <p:cNvSpPr txBox="true"/>
+          <p:nvPr/>
+        </p:nvSpPr>
+        <p:spPr>
+          <a:xfrm>
+            <a:off x="1003935" y="1802130"/>
+            <a:ext cx="2421255" cy="368300"/>
+          </a:xfrm>
+          <a:prstGeom prst="rect">
+            <a:avLst/>
+          </a:prstGeom>
+          <a:noFill/>
+        </p:spPr>
+        <p:txBody>
+          <a:bodyPr wrap="none" rtlCol="0">
+            <a:spAutoFit/>
+          </a:bodyPr>
+          <a:p>
+            <a:pPr algn="l"/>
+            <a:r>
+              <a:rPr lang="en-US" b="1">
+                <a:solidFill>
+                  <a:srgbClr val="2C3E50"/>
+                </a:solidFill>
+              </a:rPr>
+              <a:t>1. </a:t>
+            </a:r>
+            <a:r>
+              <a:rPr lang="zh-CN" altLang="en-US" b="1">
+                <a:solidFill>
+                  <a:srgbClr val="2C3E50"/>
+                </a:solidFill>
+              </a:rPr>
+              <a:t>反向关系</a:t>
+            </a:r>
+            <a:r>
+              <a:rPr lang="en-US" altLang="zh-CN" b="1">
+                <a:solidFill>
+                  <a:srgbClr val="2C3E50"/>
+                </a:solidFill>
+              </a:rPr>
+              <a:t> </a:t>
+            </a:r>
+            <a:r>
+              <a:rPr lang="zh-CN" altLang="en-US" b="1">
+                <a:solidFill>
+                  <a:srgbClr val="2C3E50"/>
+                </a:solidFill>
+              </a:rPr>
+              <a:t>（递归）</a:t>
+            </a:r>
+            <a:endParaRPr lang="zh-CN" altLang="en-US" b="1">
+              <a:solidFill>
+                <a:srgbClr val="2C3E50"/>
+              </a:solidFill>
+              <a:sym typeface="+mn-ea"/>
+            </a:endParaRPr>
+          </a:p>
+        </p:txBody>
+      </p:sp>
+      <p:sp>
+        <p:nvSpPr>
+          <p:cNvPr id="15" name="Text Box 14"/>
+          <p:cNvSpPr txBox="true"/>
+          <p:nvPr/>
+        </p:nvSpPr>
+        <p:spPr>
+          <a:xfrm>
+            <a:off x="1003935" y="4183380"/>
+            <a:ext cx="1424940" cy="368300"/>
+          </a:xfrm>
+          <a:prstGeom prst="rect">
+            <a:avLst/>
+          </a:prstGeom>
+          <a:noFill/>
+        </p:spPr>
+        <p:txBody>
+          <a:bodyPr wrap="none" rtlCol="0">
+            <a:spAutoFit/>
+          </a:bodyPr>
+          <a:p>
+            <a:r>
+              <a:rPr lang="en-US" b="1">
+                <a:solidFill>
+                  <a:srgbClr val="2C3E50"/>
+                </a:solidFill>
+              </a:rPr>
+              <a:t>2. </a:t>
+            </a:r>
+            <a:r>
+              <a:rPr lang="zh-CN" altLang="en-US" b="1">
+                <a:solidFill>
+                  <a:srgbClr val="2C3E50"/>
+                </a:solidFill>
+              </a:rPr>
+              <a:t>正向关系</a:t>
+            </a:r>
+            <a:endParaRPr lang="en-US" altLang="zh-CN" b="1">
+              <a:solidFill>
+                <a:srgbClr val="2C3E50"/>
+              </a:solidFill>
+            </a:endParaRPr>
+          </a:p>
+        </p:txBody>
+      </p:sp>
+      <p:sp>
+        <p:nvSpPr>
+          <p:cNvPr id="4" name="Text Box 3"/>
+          <p:cNvSpPr txBox="true"/>
+          <p:nvPr/>
+        </p:nvSpPr>
+        <p:spPr>
+          <a:xfrm>
+            <a:off x="1374140" y="4628515"/>
+            <a:ext cx="12517120" cy="521970"/>
+          </a:xfrm>
+          <a:prstGeom prst="rect">
+            <a:avLst/>
+          </a:prstGeom>
+          <a:noFill/>
+        </p:spPr>
+        <p:txBody>
+          <a:bodyPr wrap="none" rtlCol="0">
+            <a:spAutoFit/>
+          </a:bodyPr>
+          <a:p>
+            <a:pPr algn="l"/>
+            <a:r>
+              <a:rPr lang="zh-CN" altLang="en-US" sz="1400" b="1">
+                <a:solidFill>
+                  <a:srgbClr val="2C3E50"/>
+                </a:solidFill>
+                <a:sym typeface="+mn-ea"/>
+              </a:rPr>
+              <a:t>对于单点划分：</a:t>
+            </a:r>
+            <a:r>
+              <a:rPr lang="en-US" sz="1400" b="1">
+                <a:solidFill>
+                  <a:srgbClr val="2C3E50"/>
+                </a:solidFill>
+                <a:sym typeface="+mn-ea"/>
+              </a:rPr>
+              <a:t>斐波那契数</a:t>
+            </a:r>
+            <a:r>
+              <a:rPr lang="zh-CN" altLang="en-US" sz="1400" b="1">
+                <a:solidFill>
+                  <a:srgbClr val="2C3E50"/>
+                </a:solidFill>
+                <a:sym typeface="+mn-ea"/>
+              </a:rPr>
+              <a:t>列</a:t>
+            </a:r>
+            <a:r>
+              <a:rPr lang="zh-CN" altLang="en-US" sz="1400" b="1">
+                <a:solidFill>
+                  <a:srgbClr val="2C3E50"/>
+                </a:solidFill>
+                <a:sym typeface="+mn-ea"/>
+              </a:rPr>
+              <a:t>，</a:t>
+            </a:r>
+            <a:r>
+              <a:rPr lang="en-US" sz="1400" b="1">
+                <a:solidFill>
+                  <a:srgbClr val="2C3E50"/>
+                </a:solidFill>
+                <a:sym typeface="+mn-ea"/>
+              </a:rPr>
+              <a:t>F(1) + F(2) = F(3)</a:t>
+            </a:r>
+            <a:endParaRPr lang="en-US" sz="1400" b="1">
+              <a:solidFill>
+                <a:srgbClr val="2C3E50"/>
+              </a:solidFill>
+              <a:sym typeface="+mn-ea"/>
+            </a:endParaRPr>
+          </a:p>
+          <a:p>
+            <a:pPr algn="l"/>
+            <a:r>
+              <a:rPr lang="en-US" altLang="zh-CN" sz="1400" b="1">
+                <a:solidFill>
+                  <a:srgbClr val="2C3E50"/>
+                </a:solidFill>
+                <a:sym typeface="+mn-ea"/>
+              </a:rPr>
+              <a:t>                    </a:t>
+            </a:r>
+            <a:r>
+              <a:rPr lang="zh-CN" altLang="en-US" sz="1400" b="1">
+                <a:solidFill>
+                  <a:srgbClr val="2C3E50"/>
+                </a:solidFill>
+                <a:sym typeface="+mn-ea"/>
+              </a:rPr>
+              <a:t>代码实现：https://leetcode-cn.com/problems/fei-bo-na-qi-shu-lie-lcof/solution/cyu-yan-fei-di-gui-jie-fa-by-ze-hao/</a:t>
+            </a:r>
+            <a:endParaRPr lang="zh-CN" altLang="en-US" sz="1400" b="1">
+              <a:solidFill>
+                <a:srgbClr val="2C3E50"/>
+              </a:solidFill>
+              <a:sym typeface="+mn-ea"/>
+            </a:endParaRPr>
+          </a:p>
+        </p:txBody>
+      </p:sp>
+      <p:sp>
+        <p:nvSpPr>
+          <p:cNvPr id="10" name="Text Box 9"/>
+          <p:cNvSpPr txBox="true"/>
+          <p:nvPr/>
+        </p:nvSpPr>
+        <p:spPr>
+          <a:xfrm>
+            <a:off x="3322955" y="1832610"/>
+            <a:ext cx="7320280" cy="306705"/>
+          </a:xfrm>
+          <a:prstGeom prst="rect">
+            <a:avLst/>
+          </a:prstGeom>
+          <a:noFill/>
+        </p:spPr>
+        <p:txBody>
+          <a:bodyPr wrap="none" rtlCol="0">
+            <a:spAutoFit/>
+          </a:bodyPr>
+          <a:p>
+            <a:pPr algn="l"/>
+            <a:r>
+              <a:rPr lang="zh-CN" altLang="en-US" sz="1400" b="1">
+                <a:solidFill>
+                  <a:srgbClr val="3EAF7C"/>
+                </a:solidFill>
+                <a:sym typeface="+mn-ea"/>
+              </a:rPr>
+              <a:t>一般需要配合记忆存储，避免重复计算一个值。这样问题规模不能太大，或者空间复杂度高</a:t>
+            </a:r>
+            <a:endParaRPr lang="zh-CN" altLang="en-US" sz="1400" b="1">
+              <a:solidFill>
+                <a:srgbClr val="3EAF7C"/>
+              </a:solidFill>
+              <a:sym typeface="+mn-ea"/>
+            </a:endParaRPr>
+          </a:p>
+        </p:txBody>
+      </p:sp>
+      <p:sp>
+        <p:nvSpPr>
+          <p:cNvPr id="5" name="Text Box 4"/>
+          <p:cNvSpPr txBox="true"/>
+          <p:nvPr/>
+        </p:nvSpPr>
+        <p:spPr>
+          <a:xfrm>
+            <a:off x="1374140" y="3168015"/>
+            <a:ext cx="9525635" cy="737235"/>
+          </a:xfrm>
+          <a:prstGeom prst="rect">
+            <a:avLst/>
+          </a:prstGeom>
+          <a:noFill/>
+        </p:spPr>
+        <p:txBody>
+          <a:bodyPr wrap="none" rtlCol="0">
+            <a:spAutoFit/>
+          </a:bodyPr>
+          <a:p>
+            <a:pPr algn="l"/>
+            <a:r>
+              <a:rPr lang="zh-CN" altLang="en-US" sz="1400" b="1">
+                <a:solidFill>
+                  <a:srgbClr val="2C3E50"/>
+                </a:solidFill>
+                <a:sym typeface="+mn-ea"/>
+              </a:rPr>
+              <a:t>对于区间划分：</a:t>
+            </a:r>
+            <a:r>
+              <a:rPr lang="zh-CN" altLang="en-US" sz="1400" b="1">
+                <a:solidFill>
+                  <a:srgbClr val="2C3E50"/>
+                </a:solidFill>
+                <a:sym typeface="+mn-ea"/>
+              </a:rPr>
+              <a:t>合并石头的问题，</a:t>
+            </a:r>
+            <a:r>
+              <a:rPr lang="zh-CN" altLang="en-US" sz="1400" b="1">
+                <a:solidFill>
+                  <a:srgbClr val="2C3E50"/>
+                </a:solidFill>
+                <a:sym typeface="+mn-ea"/>
+              </a:rPr>
+              <a:t>初始化我们定义数组</a:t>
+            </a:r>
+            <a:r>
+              <a:rPr lang="" altLang="zh-CN" sz="1400" b="1">
+                <a:solidFill>
+                  <a:srgbClr val="2C3E50"/>
+                </a:solidFill>
+                <a:sym typeface="+mn-ea"/>
+              </a:rPr>
+              <a:t>F[n][n](n=</a:t>
+            </a:r>
+            <a:r>
+              <a:rPr lang="zh-CN" altLang="" sz="1400" b="1">
+                <a:solidFill>
+                  <a:srgbClr val="2C3E50"/>
+                </a:solidFill>
+                <a:sym typeface="+mn-ea"/>
+              </a:rPr>
+              <a:t>石头的堆数）并初始化每个元素都为</a:t>
+            </a:r>
+            <a:r>
+              <a:rPr lang="" altLang="zh-CN" sz="1400" b="1">
+                <a:solidFill>
+                  <a:srgbClr val="2C3E50"/>
+                </a:solidFill>
+                <a:sym typeface="+mn-ea"/>
+              </a:rPr>
+              <a:t>1e9,</a:t>
+            </a:r>
+            <a:r>
+              <a:rPr lang="zh-CN" altLang="" sz="1400" b="1">
+                <a:solidFill>
+                  <a:srgbClr val="2C3E50"/>
+                </a:solidFill>
+                <a:sym typeface="+mn-ea"/>
+              </a:rPr>
+              <a:t>那么存在</a:t>
+            </a:r>
+            <a:endParaRPr lang="zh-CN" altLang="" sz="1400" b="1">
+              <a:solidFill>
+                <a:srgbClr val="2C3E50"/>
+              </a:solidFill>
+              <a:sym typeface="+mn-ea"/>
+            </a:endParaRPr>
+          </a:p>
+          <a:p>
+            <a:pPr algn="l"/>
+            <a:r>
+              <a:rPr lang="en-US" altLang="zh-CN" sz="1400" b="1">
+                <a:solidFill>
+                  <a:srgbClr val="2C3E50"/>
+                </a:solidFill>
+                <a:sym typeface="+mn-ea"/>
+              </a:rPr>
+              <a:t>	     </a:t>
+            </a:r>
+            <a:r>
+              <a:rPr lang="en-US" altLang="en-US" sz="1400" b="1">
+                <a:solidFill>
+                  <a:srgbClr val="2C3E50"/>
+                </a:solidFill>
+                <a:sym typeface="+mn-ea"/>
+              </a:rPr>
+              <a:t>F</a:t>
+            </a:r>
+            <a:r>
+              <a:rPr lang="en-US" altLang="zh-CN" sz="1400" b="1">
+                <a:solidFill>
+                  <a:srgbClr val="2C3E50"/>
+                </a:solidFill>
+                <a:sym typeface="+mn-ea"/>
+              </a:rPr>
+              <a:t>[</a:t>
+            </a:r>
+            <a:r>
+              <a:rPr lang="" altLang="en-US" sz="1400" b="1">
+                <a:solidFill>
+                  <a:srgbClr val="2C3E50"/>
+                </a:solidFill>
+                <a:sym typeface="+mn-ea"/>
+              </a:rPr>
+              <a:t>i</a:t>
+            </a:r>
+            <a:r>
+              <a:rPr lang="en-US" altLang="zh-CN" sz="1400" b="1">
+                <a:solidFill>
+                  <a:srgbClr val="2C3E50"/>
+                </a:solidFill>
+                <a:sym typeface="+mn-ea"/>
+              </a:rPr>
+              <a:t>][j]</a:t>
+            </a:r>
+            <a:r>
+              <a:rPr lang="" altLang="zh-CN" sz="1400" b="1">
+                <a:solidFill>
+                  <a:srgbClr val="2C3E50"/>
+                </a:solidFill>
+                <a:sym typeface="+mn-ea"/>
+              </a:rPr>
+              <a:t>=min(</a:t>
+            </a:r>
+            <a:r>
+              <a:rPr lang="en-US" altLang="" sz="1400" b="1">
+                <a:solidFill>
+                  <a:srgbClr val="2C3E50"/>
+                </a:solidFill>
+                <a:sym typeface="+mn-ea"/>
+              </a:rPr>
+              <a:t>F</a:t>
+            </a:r>
+            <a:r>
+              <a:rPr lang="" altLang="en-US" sz="1400" b="1">
+                <a:solidFill>
+                  <a:srgbClr val="2C3E50"/>
+                </a:solidFill>
+                <a:sym typeface="+mn-ea"/>
+              </a:rPr>
+              <a:t>[i][j], F[i][p]+F[p][j] + sum(j)-sun(i-1))</a:t>
+            </a:r>
+            <a:endParaRPr lang="" altLang="en-US" sz="1400" b="1">
+              <a:solidFill>
+                <a:srgbClr val="2C3E50"/>
+              </a:solidFill>
+              <a:sym typeface="+mn-ea"/>
+            </a:endParaRPr>
+          </a:p>
+          <a:p>
+            <a:pPr algn="l"/>
+            <a:r>
+              <a:rPr lang="en-US" altLang="" sz="1400" b="1">
+                <a:solidFill>
+                  <a:srgbClr val="2C3E50"/>
+                </a:solidFill>
+                <a:sym typeface="+mn-ea"/>
+              </a:rPr>
+              <a:t>	     </a:t>
+            </a:r>
+            <a:r>
+              <a:rPr lang="zh-CN" altLang="en-US" sz="1400" b="1">
+                <a:solidFill>
+                  <a:srgbClr val="2C3E50"/>
+                </a:solidFill>
+                <a:sym typeface="+mn-ea"/>
+              </a:rPr>
+              <a:t>代码实现：略</a:t>
+            </a:r>
+            <a:endParaRPr lang="zh-CN" altLang="en-US" sz="1400" b="1">
+              <a:solidFill>
+                <a:srgbClr val="2C3E50"/>
+              </a:solidFill>
+              <a:sym typeface="+mn-ea"/>
+            </a:endParaRPr>
+          </a:p>
+        </p:txBody>
+      </p:sp>
+      <p:sp>
+        <p:nvSpPr>
+          <p:cNvPr id="6" name="Text Box 5"/>
+          <p:cNvSpPr txBox="true"/>
+          <p:nvPr/>
+        </p:nvSpPr>
+        <p:spPr>
+          <a:xfrm>
+            <a:off x="1374140" y="5243195"/>
+            <a:ext cx="15151735" cy="521970"/>
+          </a:xfrm>
+          <a:prstGeom prst="rect">
+            <a:avLst/>
+          </a:prstGeom>
+          <a:noFill/>
+        </p:spPr>
+        <p:txBody>
+          <a:bodyPr wrap="none" rtlCol="0">
+            <a:spAutoFit/>
+          </a:bodyPr>
+          <a:p>
+            <a:pPr algn="l"/>
+            <a:r>
+              <a:rPr lang="zh-CN" altLang="en-US" sz="1400" b="1">
+                <a:solidFill>
+                  <a:srgbClr val="2C3E50"/>
+                </a:solidFill>
+                <a:sym typeface="+mn-ea"/>
+              </a:rPr>
+              <a:t>对于区间划分：合并石头的问题，那就是从只有两堆石头开始，一直计算到有</a:t>
+            </a:r>
+            <a:r>
+              <a:rPr lang="" altLang="zh-CN" sz="1400" b="1">
+                <a:solidFill>
+                  <a:srgbClr val="2C3E50"/>
+                </a:solidFill>
+                <a:sym typeface="+mn-ea"/>
+              </a:rPr>
+              <a:t>n</a:t>
+            </a:r>
+            <a:r>
+              <a:rPr lang="zh-CN" altLang="" sz="1400" b="1">
+                <a:solidFill>
+                  <a:srgbClr val="2C3E50"/>
+                </a:solidFill>
+                <a:sym typeface="+mn-ea"/>
+              </a:rPr>
+              <a:t>堆石头</a:t>
+            </a:r>
+            <a:endParaRPr lang="zh-CN" altLang="" sz="1400" b="1">
+              <a:solidFill>
+                <a:srgbClr val="2C3E50"/>
+              </a:solidFill>
+              <a:sym typeface="+mn-ea"/>
+            </a:endParaRPr>
+          </a:p>
+          <a:p>
+            <a:pPr algn="l"/>
+            <a:r>
+              <a:rPr lang="en-US" altLang="zh-CN" sz="1400" b="1">
+                <a:solidFill>
+                  <a:srgbClr val="2C3E50"/>
+                </a:solidFill>
+                <a:sym typeface="+mn-ea"/>
+              </a:rPr>
+              <a:t>	      </a:t>
+            </a:r>
+            <a:r>
+              <a:rPr lang="zh-CN" altLang="en-US" sz="1400" b="1">
+                <a:solidFill>
+                  <a:srgbClr val="2C3E50"/>
+                </a:solidFill>
+                <a:sym typeface="+mn-ea"/>
+              </a:rPr>
+              <a:t>代码实现：https://leetcode-cn.com/problems/minimum-cost-to-merge-stones/solution/yi-dong-you-yi-dao-nan-yi-bu-bu-shuo-ming-si-lu-he/</a:t>
+            </a:r>
+            <a:endParaRPr lang="zh-CN" altLang="en-US" sz="1400" b="1">
+              <a:solidFill>
+                <a:srgbClr val="2C3E50"/>
+              </a:solidFill>
+              <a:sym typeface="+mn-ea"/>
+            </a:endParaRPr>
+          </a:p>
+        </p:txBody>
+      </p:sp>
+      <p:sp>
+        <p:nvSpPr>
+          <p:cNvPr id="7" name="Text Box 6"/>
+          <p:cNvSpPr txBox="true"/>
+          <p:nvPr/>
+        </p:nvSpPr>
+        <p:spPr>
+          <a:xfrm>
+            <a:off x="2477135" y="4183380"/>
+            <a:ext cx="2680970" cy="306705"/>
+          </a:xfrm>
+          <a:prstGeom prst="rect">
+            <a:avLst/>
+          </a:prstGeom>
+          <a:noFill/>
+        </p:spPr>
+        <p:txBody>
+          <a:bodyPr wrap="none" rtlCol="0">
+            <a:spAutoFit/>
+          </a:bodyPr>
+          <a:p>
+            <a:pPr algn="l"/>
+            <a:r>
+              <a:rPr lang="zh-CN" altLang="en-US" sz="1400" b="1">
+                <a:solidFill>
+                  <a:srgbClr val="3EAF7C"/>
+                </a:solidFill>
+                <a:sym typeface="+mn-ea"/>
+              </a:rPr>
+              <a:t>一般会使用这个转化方程来求解</a:t>
+            </a:r>
+            <a:endParaRPr lang="zh-CN" altLang="en-US" sz="1400" b="1">
+              <a:solidFill>
+                <a:srgbClr val="3EAF7C"/>
+              </a:solidFill>
+              <a:sym typeface="+mn-ea"/>
+            </a:endParaRPr>
+          </a:p>
+        </p:txBody>
+      </p:sp>
+      <p:sp>
+        <p:nvSpPr>
+          <p:cNvPr id="8" name="Text Box 7"/>
+          <p:cNvSpPr txBox="true"/>
+          <p:nvPr/>
+        </p:nvSpPr>
+        <p:spPr>
+          <a:xfrm>
+            <a:off x="8423275" y="5243195"/>
+            <a:ext cx="1967230" cy="306705"/>
+          </a:xfrm>
+          <a:prstGeom prst="rect">
+            <a:avLst/>
+          </a:prstGeom>
+          <a:noFill/>
+        </p:spPr>
+        <p:txBody>
+          <a:bodyPr wrap="none" rtlCol="0">
+            <a:spAutoFit/>
+          </a:bodyPr>
+          <a:p>
+            <a:pPr algn="l"/>
+            <a:r>
+              <a:rPr lang="zh-CN" altLang="en-US" sz="1400" b="1">
+                <a:solidFill>
+                  <a:srgbClr val="3EAF7C"/>
+                </a:solidFill>
+                <a:sym typeface="+mn-ea"/>
+              </a:rPr>
+              <a:t>这里其实本质上是穷举</a:t>
+            </a:r>
+            <a:endParaRPr lang="zh-CN" altLang="en-US" sz="1400" b="1">
+              <a:solidFill>
+                <a:srgbClr val="3EAF7C"/>
+              </a:solidFill>
+              <a:sym typeface="+mn-ea"/>
+            </a:endParaRPr>
+          </a:p>
+        </p:txBody>
+      </p:sp>
     </p:spTree>
   </p:cSld>
   <p:clrMapOvr>
